--- a/readme/python3_Advanced.pptx
+++ b/readme/python3_Advanced.pptx
@@ -5,7 +5,7 @@
     <p:sldMasterId id="2147483648" r:id="rId1"/>
   </p:sldMasterIdLst>
   <p:notesMasterIdLst>
-    <p:notesMasterId r:id="rId25"/>
+    <p:notesMasterId r:id="rId26"/>
   </p:notesMasterIdLst>
   <p:sldIdLst>
     <p:sldId id="258" r:id="rId2"/>
@@ -29,8 +29,9 @@
     <p:sldId id="276" r:id="rId20"/>
     <p:sldId id="277" r:id="rId21"/>
     <p:sldId id="278" r:id="rId22"/>
-    <p:sldId id="256" r:id="rId23"/>
-    <p:sldId id="260" r:id="rId24"/>
+    <p:sldId id="280" r:id="rId23"/>
+    <p:sldId id="279" r:id="rId24"/>
+    <p:sldId id="260" r:id="rId25"/>
   </p:sldIdLst>
   <p:sldSz cx="9144000" cy="6858000" type="screen4x3"/>
   <p:notesSz cx="6858000" cy="9144000"/>
@@ -215,7 +216,7 @@
             <a:fld id="{FD58268D-331D-419A-93EA-516EB7590CA4}" type="datetimeFigureOut">
               <a:rPr lang="zh-CN" altLang="en-US" smtClean="0"/>
               <a:pPr/>
-              <a:t>2019-09-22</a:t>
+              <a:t>2019-10-27</a:t>
             </a:fld>
             <a:endParaRPr lang="zh-CN" altLang="en-US"/>
           </a:p>
@@ -921,7 +922,7 @@
             <a:fld id="{530820CF-B880-4189-942D-D702A7CBA730}" type="datetimeFigureOut">
               <a:rPr lang="zh-CN" altLang="en-US" smtClean="0"/>
               <a:pPr/>
-              <a:t>2019-09-22</a:t>
+              <a:t>2019-10-27</a:t>
             </a:fld>
             <a:endParaRPr lang="zh-CN" altLang="en-US"/>
           </a:p>
@@ -1088,7 +1089,7 @@
             <a:fld id="{530820CF-B880-4189-942D-D702A7CBA730}" type="datetimeFigureOut">
               <a:rPr lang="zh-CN" altLang="en-US" smtClean="0"/>
               <a:pPr/>
-              <a:t>2019-09-22</a:t>
+              <a:t>2019-10-27</a:t>
             </a:fld>
             <a:endParaRPr lang="zh-CN" altLang="en-US"/>
           </a:p>
@@ -1265,7 +1266,7 @@
             <a:fld id="{530820CF-B880-4189-942D-D702A7CBA730}" type="datetimeFigureOut">
               <a:rPr lang="zh-CN" altLang="en-US" smtClean="0"/>
               <a:pPr/>
-              <a:t>2019-09-22</a:t>
+              <a:t>2019-10-27</a:t>
             </a:fld>
             <a:endParaRPr lang="zh-CN" altLang="en-US"/>
           </a:p>
@@ -1432,7 +1433,7 @@
             <a:fld id="{530820CF-B880-4189-942D-D702A7CBA730}" type="datetimeFigureOut">
               <a:rPr lang="zh-CN" altLang="en-US" smtClean="0"/>
               <a:pPr/>
-              <a:t>2019-09-22</a:t>
+              <a:t>2019-10-27</a:t>
             </a:fld>
             <a:endParaRPr lang="zh-CN" altLang="en-US"/>
           </a:p>
@@ -1675,7 +1676,7 @@
             <a:fld id="{530820CF-B880-4189-942D-D702A7CBA730}" type="datetimeFigureOut">
               <a:rPr lang="zh-CN" altLang="en-US" smtClean="0"/>
               <a:pPr/>
-              <a:t>2019-09-22</a:t>
+              <a:t>2019-10-27</a:t>
             </a:fld>
             <a:endParaRPr lang="zh-CN" altLang="en-US"/>
           </a:p>
@@ -1960,7 +1961,7 @@
             <a:fld id="{530820CF-B880-4189-942D-D702A7CBA730}" type="datetimeFigureOut">
               <a:rPr lang="zh-CN" altLang="en-US" smtClean="0"/>
               <a:pPr/>
-              <a:t>2019-09-22</a:t>
+              <a:t>2019-10-27</a:t>
             </a:fld>
             <a:endParaRPr lang="zh-CN" altLang="en-US"/>
           </a:p>
@@ -2379,7 +2380,7 @@
             <a:fld id="{530820CF-B880-4189-942D-D702A7CBA730}" type="datetimeFigureOut">
               <a:rPr lang="zh-CN" altLang="en-US" smtClean="0"/>
               <a:pPr/>
-              <a:t>2019-09-22</a:t>
+              <a:t>2019-10-27</a:t>
             </a:fld>
             <a:endParaRPr lang="zh-CN" altLang="en-US"/>
           </a:p>
@@ -2494,7 +2495,7 @@
             <a:fld id="{530820CF-B880-4189-942D-D702A7CBA730}" type="datetimeFigureOut">
               <a:rPr lang="zh-CN" altLang="en-US" smtClean="0"/>
               <a:pPr/>
-              <a:t>2019-09-22</a:t>
+              <a:t>2019-10-27</a:t>
             </a:fld>
             <a:endParaRPr lang="zh-CN" altLang="en-US"/>
           </a:p>
@@ -2586,7 +2587,7 @@
             <a:fld id="{530820CF-B880-4189-942D-D702A7CBA730}" type="datetimeFigureOut">
               <a:rPr lang="zh-CN" altLang="en-US" smtClean="0"/>
               <a:pPr/>
-              <a:t>2019-09-22</a:t>
+              <a:t>2019-10-27</a:t>
             </a:fld>
             <a:endParaRPr lang="zh-CN" altLang="en-US"/>
           </a:p>
@@ -2860,7 +2861,7 @@
             <a:fld id="{530820CF-B880-4189-942D-D702A7CBA730}" type="datetimeFigureOut">
               <a:rPr lang="zh-CN" altLang="en-US" smtClean="0"/>
               <a:pPr/>
-              <a:t>2019-09-22</a:t>
+              <a:t>2019-10-27</a:t>
             </a:fld>
             <a:endParaRPr lang="zh-CN" altLang="en-US"/>
           </a:p>
@@ -3110,7 +3111,7 @@
             <a:fld id="{530820CF-B880-4189-942D-D702A7CBA730}" type="datetimeFigureOut">
               <a:rPr lang="zh-CN" altLang="en-US" smtClean="0"/>
               <a:pPr/>
-              <a:t>2019-09-22</a:t>
+              <a:t>2019-10-27</a:t>
             </a:fld>
             <a:endParaRPr lang="zh-CN" altLang="en-US"/>
           </a:p>
@@ -3320,7 +3321,7 @@
             <a:fld id="{530820CF-B880-4189-942D-D702A7CBA730}" type="datetimeFigureOut">
               <a:rPr lang="zh-CN" altLang="en-US" smtClean="0"/>
               <a:pPr/>
-              <a:t>2019-09-22</a:t>
+              <a:t>2019-10-27</a:t>
             </a:fld>
             <a:endParaRPr lang="zh-CN" altLang="en-US"/>
           </a:p>
@@ -4501,11 +4502,7 @@
             </a:r>
             <a:r>
               <a:rPr lang="zh-CN" altLang="en-US" dirty="0" smtClean="0"/>
-              <a:t>页面就是静态</a:t>
-            </a:r>
-            <a:r>
-              <a:rPr lang="zh-CN" altLang="en-US" dirty="0" smtClean="0"/>
-              <a:t>的</a:t>
+              <a:t>页面就是静态的</a:t>
             </a:r>
             <a:endParaRPr lang="en-US" altLang="zh-CN" dirty="0" smtClean="0"/>
           </a:p>
@@ -4556,11 +4553,7 @@
             </a:r>
             <a:r>
               <a:rPr lang="zh-CN" altLang="en-US" dirty="0" smtClean="0"/>
-              <a:t>编写</a:t>
-            </a:r>
-            <a:r>
-              <a:rPr lang="zh-CN" altLang="en-US" dirty="0" smtClean="0"/>
-              <a:t>。</a:t>
+              <a:t>编写。</a:t>
             </a:r>
             <a:endParaRPr lang="en-US" altLang="zh-CN" dirty="0" smtClean="0"/>
           </a:p>
@@ -4659,11 +4652,7 @@
             </a:r>
             <a:r>
               <a:rPr lang="zh-CN" altLang="en-US" dirty="0" smtClean="0"/>
-              <a:t>本身则是开源的脚本语言</a:t>
-            </a:r>
-            <a:r>
-              <a:rPr lang="zh-CN" altLang="en-US" dirty="0" smtClean="0"/>
-              <a:t>。</a:t>
+              <a:t>本身则是开源的脚本语言。</a:t>
             </a:r>
             <a:endParaRPr lang="en-US" altLang="zh-CN" dirty="0" smtClean="0"/>
           </a:p>
@@ -4800,11 +4789,7 @@
             </a:r>
             <a:r>
               <a:rPr lang="zh-CN" altLang="en-US" dirty="0" smtClean="0"/>
-              <a:t>协议</a:t>
-            </a:r>
-            <a:r>
-              <a:rPr lang="zh-CN" altLang="en-US" dirty="0" smtClean="0"/>
-              <a:t>简介</a:t>
+              <a:t>协议简介</a:t>
             </a:r>
             <a:endParaRPr lang="zh-CN" altLang="en-US" dirty="0"/>
           </a:p>
@@ -4839,11 +4824,7 @@
             </a:r>
             <a:r>
               <a:rPr lang="zh-CN" altLang="en-US" dirty="0" smtClean="0"/>
-              <a:t>的协议，用于浏览器和服务器的通信</a:t>
-            </a:r>
-            <a:r>
-              <a:rPr lang="zh-CN" altLang="en-US" dirty="0" smtClean="0"/>
-              <a:t>。</a:t>
+              <a:t>的协议，用于浏览器和服务器的通信。</a:t>
             </a:r>
             <a:endParaRPr lang="en-US" altLang="zh-CN" dirty="0" smtClean="0"/>
           </a:p>
@@ -4862,11 +4843,7 @@
             </a:r>
             <a:r>
               <a:rPr lang="zh-CN" altLang="en-US" dirty="0" smtClean="0"/>
-              <a:t>，就可以编写网页</a:t>
-            </a:r>
-            <a:r>
-              <a:rPr lang="zh-CN" altLang="en-US" dirty="0" smtClean="0"/>
-              <a:t>；</a:t>
+              <a:t>，就可以编写网页；</a:t>
             </a:r>
             <a:endParaRPr lang="en-US" altLang="zh-CN" dirty="0" smtClean="0"/>
           </a:p>
@@ -4885,11 +4862,7 @@
             <a:pPr lvl="1"/>
             <a:r>
               <a:rPr lang="en-US" altLang="zh-CN" dirty="0" smtClean="0"/>
-              <a:t>GET / </a:t>
-            </a:r>
-            <a:r>
-              <a:rPr lang="en-US" altLang="zh-CN" dirty="0" smtClean="0"/>
-              <a:t>HTTP/1.1</a:t>
+              <a:t>GET / HTTP/1.1</a:t>
             </a:r>
           </a:p>
           <a:p>
@@ -5013,11 +4986,7 @@
             </a:r>
             <a:r>
               <a:rPr lang="zh-CN" altLang="en-US" dirty="0" smtClean="0"/>
-              <a:t>定义了一套语法规则，来告诉浏览器如何把一个丰富多彩的页面显示出来</a:t>
-            </a:r>
-            <a:r>
-              <a:rPr lang="zh-CN" altLang="en-US" dirty="0" smtClean="0"/>
-              <a:t>。</a:t>
+              <a:t>定义了一套语法规则，来告诉浏览器如何把一个丰富多彩的页面显示出来。</a:t>
             </a:r>
             <a:endParaRPr lang="en-US" altLang="zh-CN" dirty="0" smtClean="0"/>
           </a:p>
@@ -5026,7 +4995,6 @@
               <a:rPr lang="en-US" altLang="zh-CN" dirty="0" smtClean="0"/>
               <a:t>&lt;html&gt; </a:t>
             </a:r>
-            <a:endParaRPr lang="en-US" altLang="zh-CN" dirty="0" smtClean="0"/>
           </a:p>
           <a:p>
             <a:pPr lvl="1">
@@ -5034,13 +5002,8 @@
             </a:pPr>
             <a:r>
               <a:rPr lang="en-US" altLang="zh-CN" dirty="0" smtClean="0"/>
-              <a:t>&lt;</a:t>
-            </a:r>
-            <a:r>
-              <a:rPr lang="en-US" altLang="zh-CN" dirty="0" smtClean="0"/>
-              <a:t>head&gt; </a:t>
-            </a:r>
-            <a:endParaRPr lang="en-US" altLang="zh-CN" dirty="0" smtClean="0"/>
+              <a:t>&lt;head&gt; </a:t>
+            </a:r>
           </a:p>
           <a:p>
             <a:pPr lvl="1">
@@ -5048,19 +5011,7 @@
             </a:pPr>
             <a:r>
               <a:rPr lang="en-US" altLang="zh-CN" dirty="0" smtClean="0"/>
-              <a:t>	</a:t>
-            </a:r>
-            <a:r>
-              <a:rPr lang="en-US" altLang="zh-CN" dirty="0" smtClean="0"/>
-              <a:t>&lt;</a:t>
-            </a:r>
-            <a:r>
-              <a:rPr lang="en-US" altLang="zh-CN" dirty="0" smtClean="0"/>
-              <a:t>title&gt;Hello&lt;/title</a:t>
-            </a:r>
-            <a:r>
-              <a:rPr lang="en-US" altLang="zh-CN" dirty="0" smtClean="0"/>
-              <a:t>&gt;</a:t>
+              <a:t>	&lt;title&gt;Hello&lt;/title&gt;</a:t>
             </a:r>
           </a:p>
           <a:p>
@@ -5069,15 +5020,7 @@
             </a:pPr>
             <a:r>
               <a:rPr lang="en-US" altLang="zh-CN" dirty="0" smtClean="0"/>
-              <a:t> </a:t>
-            </a:r>
-            <a:r>
-              <a:rPr lang="en-US" altLang="zh-CN" dirty="0" smtClean="0"/>
-              <a:t>&lt;/head</a:t>
-            </a:r>
-            <a:r>
-              <a:rPr lang="en-US" altLang="zh-CN" dirty="0" smtClean="0"/>
-              <a:t>&gt;</a:t>
+              <a:t> &lt;/head&gt;</a:t>
             </a:r>
           </a:p>
           <a:p>
@@ -5086,15 +5029,7 @@
             </a:pPr>
             <a:r>
               <a:rPr lang="en-US" altLang="zh-CN" dirty="0" smtClean="0"/>
-              <a:t> </a:t>
-            </a:r>
-            <a:r>
-              <a:rPr lang="en-US" altLang="zh-CN" dirty="0" smtClean="0"/>
-              <a:t>&lt;body</a:t>
-            </a:r>
-            <a:r>
-              <a:rPr lang="en-US" altLang="zh-CN" dirty="0" smtClean="0"/>
-              <a:t>&gt;</a:t>
+              <a:t> &lt;body&gt;</a:t>
             </a:r>
           </a:p>
           <a:p>
@@ -5103,15 +5038,7 @@
             </a:pPr>
             <a:r>
               <a:rPr lang="en-US" altLang="zh-CN" dirty="0" smtClean="0"/>
-              <a:t>	 </a:t>
-            </a:r>
-            <a:r>
-              <a:rPr lang="en-US" altLang="zh-CN" dirty="0" smtClean="0"/>
-              <a:t>&lt;h1&gt;Hello, world!&lt;/h1</a:t>
-            </a:r>
-            <a:r>
-              <a:rPr lang="en-US" altLang="zh-CN" dirty="0" smtClean="0"/>
-              <a:t>&gt;</a:t>
+              <a:t>	 &lt;h1&gt;Hello, world!&lt;/h1&gt;</a:t>
             </a:r>
           </a:p>
           <a:p>
@@ -5120,11 +5047,7 @@
             </a:pPr>
             <a:r>
               <a:rPr lang="en-US" altLang="zh-CN" dirty="0" smtClean="0"/>
-              <a:t> </a:t>
-            </a:r>
-            <a:r>
-              <a:rPr lang="en-US" altLang="zh-CN" dirty="0" smtClean="0"/>
-              <a:t>&lt;/body&gt; </a:t>
+              <a:t> &lt;/body&gt; </a:t>
             </a:r>
           </a:p>
           <a:p>
@@ -5133,11 +5056,7 @@
             </a:pPr>
             <a:r>
               <a:rPr lang="en-US" altLang="zh-CN" dirty="0" smtClean="0"/>
-              <a:t>     &lt;/</a:t>
-            </a:r>
-            <a:r>
-              <a:rPr lang="en-US" altLang="zh-CN" dirty="0" smtClean="0"/>
-              <a:t>html&gt;</a:t>
+              <a:t>     &lt;/html&gt;</a:t>
             </a:r>
             <a:endParaRPr lang="zh-CN" altLang="en-US" dirty="0"/>
           </a:p>
@@ -5244,11 +5163,7 @@
             </a:r>
             <a:r>
               <a:rPr lang="zh-CN" altLang="en-US" dirty="0" smtClean="0"/>
-              <a:t>里的所有元素如何</a:t>
-            </a:r>
-            <a:r>
-              <a:rPr lang="zh-CN" altLang="en-US" dirty="0" smtClean="0"/>
-              <a:t>展现</a:t>
+              <a:t>里的所有元素如何展现</a:t>
             </a:r>
             <a:endParaRPr lang="en-US" altLang="zh-CN" dirty="0" smtClean="0"/>
           </a:p>
@@ -5271,11 +5186,7 @@
             </a:r>
             <a:r>
               <a:rPr lang="zh-CN" altLang="en-US" dirty="0" smtClean="0"/>
-              <a:t>号字体，灰色，带阴影</a:t>
-            </a:r>
-            <a:r>
-              <a:rPr lang="zh-CN" altLang="en-US" dirty="0" smtClean="0"/>
-              <a:t>：</a:t>
+              <a:t>号字体，灰色，带阴影：</a:t>
             </a:r>
             <a:endParaRPr lang="en-US" altLang="zh-CN" dirty="0" smtClean="0"/>
           </a:p>
@@ -5428,38 +5339,14 @@
             </a:r>
             <a:r>
               <a:rPr lang="zh-CN" altLang="en-US" dirty="0" smtClean="0"/>
-              <a:t>具有</a:t>
-            </a:r>
-            <a:r>
-              <a:rPr lang="zh-CN" altLang="en-US" dirty="0" smtClean="0"/>
-              <a:t>交互性</a:t>
-            </a:r>
-            <a:r>
-              <a:rPr lang="zh-CN" altLang="en-US" dirty="0" smtClean="0"/>
-              <a:t>而作为脚本语言添加</a:t>
-            </a:r>
-            <a:r>
-              <a:rPr lang="zh-CN" altLang="en-US" dirty="0" smtClean="0"/>
-              <a:t>的。</a:t>
+              <a:t>具有交互性而作为脚本语言添加的。</a:t>
             </a:r>
             <a:endParaRPr lang="en-US" altLang="zh-CN" dirty="0" smtClean="0"/>
           </a:p>
           <a:p>
             <a:r>
               <a:rPr lang="zh-CN" altLang="en-US" dirty="0" smtClean="0"/>
-              <a:t>如果</a:t>
-            </a:r>
-            <a:r>
-              <a:rPr lang="zh-CN" altLang="en-US" dirty="0" smtClean="0"/>
-              <a:t>我们希望当用户点击标题时把标题变成</a:t>
-            </a:r>
-            <a:r>
-              <a:rPr lang="zh-CN" altLang="en-US" dirty="0" smtClean="0"/>
-              <a:t>红色</a:t>
-            </a:r>
-            <a:r>
-              <a:rPr lang="zh-CN" altLang="en-US" dirty="0" smtClean="0"/>
-              <a:t>，就必须通过</a:t>
+              <a:t>如果我们希望当用户点击标题时把标题变成红色，就必须通过</a:t>
             </a:r>
             <a:r>
               <a:rPr lang="en-US" altLang="zh-CN" dirty="0" smtClean="0"/>
@@ -5467,11 +5354,7 @@
             </a:r>
             <a:r>
               <a:rPr lang="zh-CN" altLang="en-US" dirty="0" smtClean="0"/>
-              <a:t>来实现</a:t>
-            </a:r>
-            <a:r>
-              <a:rPr lang="zh-CN" altLang="en-US" dirty="0" smtClean="0"/>
-              <a:t>：</a:t>
+              <a:t>来实现：</a:t>
             </a:r>
             <a:endParaRPr lang="en-US" altLang="zh-CN" dirty="0" smtClean="0"/>
           </a:p>
@@ -5604,11 +5487,7 @@
             </a:r>
             <a:r>
               <a:rPr lang="zh-CN" altLang="en-US" dirty="0" smtClean="0"/>
-              <a:t>应用的本质就是</a:t>
-            </a:r>
-            <a:r>
-              <a:rPr lang="zh-CN" altLang="en-US" dirty="0" smtClean="0"/>
-              <a:t>：</a:t>
+              <a:t>应用的本质就是：</a:t>
             </a:r>
             <a:endParaRPr lang="en-US" altLang="zh-CN" dirty="0" smtClean="0"/>
           </a:p>
@@ -5624,11 +5503,7 @@
             </a:r>
             <a:r>
               <a:rPr lang="zh-CN" altLang="en-US" dirty="0" smtClean="0"/>
-              <a:t>请求</a:t>
-            </a:r>
-            <a:r>
-              <a:rPr lang="zh-CN" altLang="en-US" dirty="0" smtClean="0"/>
-              <a:t>；</a:t>
+              <a:t>请求；</a:t>
             </a:r>
             <a:endParaRPr lang="en-US" altLang="zh-CN" dirty="0" smtClean="0"/>
           </a:p>
@@ -5644,11 +5519,7 @@
             </a:r>
             <a:r>
               <a:rPr lang="zh-CN" altLang="en-US" dirty="0" smtClean="0"/>
-              <a:t>文档</a:t>
-            </a:r>
-            <a:r>
-              <a:rPr lang="zh-CN" altLang="en-US" dirty="0" smtClean="0"/>
-              <a:t>；</a:t>
+              <a:t>文档；</a:t>
             </a:r>
             <a:endParaRPr lang="en-US" altLang="zh-CN" dirty="0" smtClean="0"/>
           </a:p>
@@ -5680,11 +5551,7 @@
             </a:r>
             <a:r>
               <a:rPr lang="zh-CN" altLang="en-US" dirty="0" smtClean="0"/>
-              <a:t>发送给浏览器</a:t>
-            </a:r>
-            <a:r>
-              <a:rPr lang="zh-CN" altLang="en-US" dirty="0" smtClean="0"/>
-              <a:t>；</a:t>
+              <a:t>发送给浏览器；</a:t>
             </a:r>
             <a:endParaRPr lang="en-US" altLang="zh-CN" dirty="0" smtClean="0"/>
           </a:p>
@@ -5716,11 +5583,7 @@
             </a:r>
             <a:r>
               <a:rPr lang="zh-CN" altLang="en-US" dirty="0" smtClean="0"/>
-              <a:t>文档并</a:t>
-            </a:r>
-            <a:r>
-              <a:rPr lang="zh-CN" altLang="en-US" dirty="0" smtClean="0"/>
-              <a:t>显示。</a:t>
+              <a:t>文档并显示。</a:t>
             </a:r>
             <a:endParaRPr lang="zh-CN" altLang="en-US" dirty="0"/>
           </a:p>
@@ -6030,11 +5893,7 @@
           <a:p>
             <a:r>
               <a:rPr lang="zh-CN" altLang="en-US" dirty="0" smtClean="0"/>
-              <a:t>使用</a:t>
-            </a:r>
-            <a:r>
-              <a:rPr lang="zh-CN" altLang="en-US" dirty="0" smtClean="0"/>
-              <a:t>模板</a:t>
+              <a:t>使用模板</a:t>
             </a:r>
             <a:endParaRPr lang="zh-CN" altLang="en-US" dirty="0"/>
           </a:p>
@@ -6098,28 +5957,228 @@
             <a:spLocks noGrp="1"/>
           </p:cNvSpPr>
           <p:nvPr>
-            <p:ph type="ctrTitle"/>
-          </p:nvPr>
-        </p:nvSpPr>
-        <p:spPr>
-          <a:xfrm>
-            <a:off x="611560" y="476672"/>
-            <a:ext cx="7772400" cy="1470025"/>
-          </a:xfrm>
-        </p:spPr>
+            <p:ph type="title"/>
+          </p:nvPr>
+        </p:nvSpPr>
+        <p:spPr/>
         <p:txBody>
           <a:bodyPr/>
           <a:lstStyle/>
           <a:p>
             <a:r>
               <a:rPr lang="en-US" altLang="zh-CN" dirty="0" smtClean="0"/>
-              <a:t>1. </a:t>
-            </a:r>
-            <a:r>
-              <a:rPr lang="zh-CN" altLang="en-US" dirty="0" smtClean="0"/>
-              <a:t>进程、线程</a:t>
+              <a:t>9 </a:t>
+            </a:r>
+            <a:r>
+              <a:rPr lang="zh-CN" altLang="en-US" dirty="0" smtClean="0"/>
+              <a:t>配置开发环境</a:t>
             </a:r>
             <a:endParaRPr lang="zh-CN" altLang="en-US" dirty="0"/>
+          </a:p>
+        </p:txBody>
+      </p:sp>
+      <p:sp>
+        <p:nvSpPr>
+          <p:cNvPr id="3" name="内容占位符 2"/>
+          <p:cNvSpPr>
+            <a:spLocks noGrp="1"/>
+          </p:cNvSpPr>
+          <p:nvPr>
+            <p:ph idx="1"/>
+          </p:nvPr>
+        </p:nvSpPr>
+        <p:spPr/>
+        <p:txBody>
+          <a:bodyPr>
+            <a:normAutofit fontScale="85000" lnSpcReduction="10000"/>
+          </a:bodyPr>
+          <a:lstStyle/>
+          <a:p>
+            <a:r>
+              <a:rPr lang="zh-CN" altLang="en-US" dirty="0" smtClean="0"/>
+              <a:t>下载</a:t>
+            </a:r>
+            <a:r>
+              <a:rPr lang="en-US" altLang="zh-CN" dirty="0" smtClean="0"/>
+              <a:t>python</a:t>
+            </a:r>
+          </a:p>
+          <a:p>
+            <a:pPr lvl="1">
+              <a:buNone/>
+            </a:pPr>
+            <a:r>
+              <a:rPr lang="en-US" altLang="zh-CN" dirty="0" err="1" smtClean="0"/>
+              <a:t>wget</a:t>
+            </a:r>
+            <a:r>
+              <a:rPr lang="en-US" altLang="zh-CN" dirty="0" smtClean="0"/>
+              <a:t> https://</a:t>
+            </a:r>
+            <a:r>
+              <a:rPr lang="en-US" altLang="zh-CN" dirty="0" smtClean="0"/>
+              <a:t>www.python.org/ftp/python/3.7.0/Python-3.7.0.tgz</a:t>
+            </a:r>
+            <a:endParaRPr lang="en-US" altLang="zh-CN" b="1" dirty="0" smtClean="0"/>
+          </a:p>
+          <a:p>
+            <a:pPr marL="342900" lvl="1" indent="-342900">
+              <a:buFont typeface="Arial" pitchFamily="34" charset="0"/>
+              <a:buChar char="•"/>
+            </a:pPr>
+            <a:r>
+              <a:rPr lang="zh-CN" altLang="en-US" sz="3200" dirty="0" smtClean="0"/>
+              <a:t>解</a:t>
+            </a:r>
+            <a:r>
+              <a:rPr lang="zh-CN" altLang="en-US" sz="3200" dirty="0" smtClean="0"/>
+              <a:t>压</a:t>
+            </a:r>
+            <a:r>
+              <a:rPr lang="en-US" altLang="zh-CN" sz="3200" dirty="0" smtClean="0"/>
+              <a:t>python </a:t>
+            </a:r>
+            <a:r>
+              <a:rPr lang="zh-CN" altLang="en-US" sz="3200" dirty="0" smtClean="0"/>
+              <a:t>压缩</a:t>
+            </a:r>
+            <a:r>
+              <a:rPr lang="zh-CN" altLang="en-US" sz="3200" dirty="0" smtClean="0"/>
+              <a:t>包</a:t>
+            </a:r>
+            <a:endParaRPr lang="en-US" altLang="zh-CN" sz="3200" dirty="0" smtClean="0"/>
+          </a:p>
+          <a:p>
+            <a:pPr marL="742950" lvl="2" indent="-342900">
+              <a:buNone/>
+            </a:pPr>
+            <a:r>
+              <a:rPr lang="en-US" altLang="zh-CN" dirty="0" smtClean="0"/>
+              <a:t>tar  -</a:t>
+            </a:r>
+            <a:r>
+              <a:rPr lang="en-US" altLang="zh-CN" dirty="0" err="1" smtClean="0"/>
+              <a:t>xvf</a:t>
+            </a:r>
+            <a:r>
+              <a:rPr lang="en-US" altLang="zh-CN" dirty="0" smtClean="0"/>
+              <a:t> Python-3.7.0.tgz</a:t>
+            </a:r>
+            <a:endParaRPr lang="zh-CN" altLang="en-US" dirty="0" smtClean="0"/>
+          </a:p>
+          <a:p>
+            <a:pPr marL="342900" lvl="1" indent="-342900">
+              <a:buFont typeface="Arial" pitchFamily="34" charset="0"/>
+              <a:buChar char="•"/>
+            </a:pPr>
+            <a:r>
+              <a:rPr lang="zh-CN" altLang="en-US" sz="3200" dirty="0" smtClean="0"/>
+              <a:t>配置</a:t>
+            </a:r>
+            <a:r>
+              <a:rPr lang="en-US" altLang="zh-CN" sz="3200" dirty="0" smtClean="0"/>
+              <a:t>python </a:t>
+            </a:r>
+            <a:r>
+              <a:rPr lang="zh-CN" altLang="en-US" sz="3200" dirty="0" smtClean="0"/>
+              <a:t>编译选项</a:t>
+            </a:r>
+            <a:endParaRPr lang="en-US" altLang="zh-CN" sz="3200" dirty="0" smtClean="0"/>
+          </a:p>
+          <a:p>
+            <a:pPr marL="742950" lvl="2" indent="-342900">
+              <a:buNone/>
+            </a:pPr>
+            <a:r>
+              <a:rPr lang="en-US" altLang="zh-CN" dirty="0" smtClean="0"/>
+              <a:t>./configure</a:t>
+            </a:r>
+            <a:endParaRPr lang="en-US" altLang="zh-CN" dirty="0" smtClean="0"/>
+          </a:p>
+          <a:p>
+            <a:pPr marL="342900" lvl="1" indent="-342900">
+              <a:buFont typeface="Arial" pitchFamily="34" charset="0"/>
+              <a:buChar char="•"/>
+            </a:pPr>
+            <a:r>
+              <a:rPr lang="zh-CN" altLang="en-US" sz="3200" dirty="0" smtClean="0"/>
+              <a:t>编译</a:t>
+            </a:r>
+            <a:r>
+              <a:rPr lang="en-US" altLang="zh-CN" sz="3200" dirty="0" smtClean="0"/>
+              <a:t>python </a:t>
+            </a:r>
+          </a:p>
+          <a:p>
+            <a:pPr marL="742950" lvl="2" indent="-342900">
+              <a:buNone/>
+            </a:pPr>
+            <a:r>
+              <a:rPr lang="en-US" altLang="zh-CN" dirty="0" smtClean="0"/>
+              <a:t>make  &amp;&amp; make </a:t>
+            </a:r>
+            <a:r>
+              <a:rPr lang="en-US" altLang="zh-CN" dirty="0" smtClean="0"/>
+              <a:t>install</a:t>
+            </a:r>
+            <a:endParaRPr lang="en-US" altLang="zh-CN" b="1" dirty="0" smtClean="0"/>
+          </a:p>
+          <a:p>
+            <a:pPr marL="342900" lvl="1" indent="-342900">
+              <a:buFont typeface="Arial" pitchFamily="34" charset="0"/>
+              <a:buChar char="•"/>
+            </a:pPr>
+            <a:r>
+              <a:rPr lang="zh-CN" altLang="en-US" sz="4000" dirty="0" smtClean="0"/>
+              <a:t>安装依赖</a:t>
+            </a:r>
+            <a:r>
+              <a:rPr lang="zh-CN" altLang="en-US" sz="4000" dirty="0" smtClean="0"/>
+              <a:t>：</a:t>
+            </a:r>
+            <a:endParaRPr lang="en-US" altLang="zh-CN" sz="4000" dirty="0" smtClean="0"/>
+          </a:p>
+          <a:p>
+            <a:pPr marL="742950" lvl="2" indent="-342900">
+              <a:buNone/>
+            </a:pPr>
+            <a:r>
+              <a:rPr lang="en-US" altLang="zh-CN" dirty="0" smtClean="0"/>
+              <a:t>pip3 </a:t>
+            </a:r>
+            <a:r>
+              <a:rPr lang="en-US" altLang="zh-CN" dirty="0" smtClean="0"/>
+              <a:t>install </a:t>
+            </a:r>
+            <a:r>
+              <a:rPr lang="en-US" altLang="zh-CN" dirty="0" err="1" smtClean="0"/>
+              <a:t>aiohttp</a:t>
+            </a:r>
+            <a:r>
+              <a:rPr lang="en-US" altLang="zh-CN" dirty="0" smtClean="0"/>
+              <a:t> </a:t>
+            </a:r>
+            <a:r>
+              <a:rPr lang="en-US" altLang="zh-CN" dirty="0" err="1" smtClean="0"/>
+              <a:t>aiomysql</a:t>
+            </a:r>
+            <a:r>
+              <a:rPr lang="en-US" altLang="zh-CN" dirty="0" smtClean="0"/>
+              <a:t> </a:t>
+            </a:r>
+            <a:r>
+              <a:rPr lang="en-US" altLang="zh-CN" dirty="0" smtClean="0"/>
+              <a:t>jinja2</a:t>
+            </a:r>
+          </a:p>
+          <a:p>
+            <a:pPr marL="742950" lvl="2" indent="-342900">
+              <a:buNone/>
+            </a:pPr>
+            <a:endParaRPr lang="en-US" altLang="zh-CN" dirty="0" smtClean="0"/>
+          </a:p>
+          <a:p>
+            <a:endParaRPr lang="en-US" altLang="zh-CN" dirty="0" smtClean="0"/>
           </a:p>
         </p:txBody>
       </p:sp>
@@ -6132,6 +6191,88 @@
 </file>
 
 <file path=ppt/slides/slide23.xml><?xml version="1.0" encoding="utf-8"?>
+<p:sld xmlns:a="http://schemas.openxmlformats.org/drawingml/2006/main" xmlns:r="http://schemas.openxmlformats.org/officeDocument/2006/relationships" xmlns:p="http://schemas.openxmlformats.org/presentationml/2006/main">
+  <p:cSld>
+    <p:spTree>
+      <p:nvGrpSpPr>
+        <p:cNvPr id="1" name=""/>
+        <p:cNvGrpSpPr/>
+        <p:nvPr/>
+      </p:nvGrpSpPr>
+      <p:grpSpPr>
+        <a:xfrm>
+          <a:off x="0" y="0"/>
+          <a:ext cx="0" cy="0"/>
+          <a:chOff x="0" y="0"/>
+          <a:chExt cx="0" cy="0"/>
+        </a:xfrm>
+      </p:grpSpPr>
+      <p:sp>
+        <p:nvSpPr>
+          <p:cNvPr id="2" name="标题 1"/>
+          <p:cNvSpPr>
+            <a:spLocks noGrp="1"/>
+          </p:cNvSpPr>
+          <p:nvPr>
+            <p:ph type="title"/>
+          </p:nvPr>
+        </p:nvSpPr>
+        <p:spPr/>
+        <p:txBody>
+          <a:bodyPr/>
+          <a:lstStyle/>
+          <a:p>
+            <a:r>
+              <a:rPr lang="en-US" altLang="zh-CN" dirty="0" smtClean="0"/>
+              <a:t>10 </a:t>
+            </a:r>
+            <a:r>
+              <a:rPr lang="zh-CN" altLang="en-US" dirty="0" smtClean="0"/>
+              <a:t>编写</a:t>
+            </a:r>
+            <a:r>
+              <a:rPr lang="en-US" altLang="zh-CN" dirty="0" smtClean="0"/>
+              <a:t>app</a:t>
+            </a:r>
+            <a:r>
+              <a:rPr lang="zh-CN" altLang="en-US" dirty="0" smtClean="0"/>
+              <a:t>框架</a:t>
+            </a:r>
+            <a:endParaRPr lang="zh-CN" altLang="en-US" dirty="0"/>
+          </a:p>
+        </p:txBody>
+      </p:sp>
+      <p:sp>
+        <p:nvSpPr>
+          <p:cNvPr id="3" name="内容占位符 2"/>
+          <p:cNvSpPr>
+            <a:spLocks noGrp="1"/>
+          </p:cNvSpPr>
+          <p:nvPr>
+            <p:ph idx="1"/>
+          </p:nvPr>
+        </p:nvSpPr>
+        <p:spPr/>
+        <p:txBody>
+          <a:bodyPr/>
+          <a:lstStyle/>
+          <a:p>
+            <a:endParaRPr lang="en-US" altLang="zh-CN" smtClean="0"/>
+          </a:p>
+          <a:p>
+            <a:endParaRPr lang="zh-CN" altLang="en-US" dirty="0"/>
+          </a:p>
+        </p:txBody>
+      </p:sp>
+    </p:spTree>
+  </p:cSld>
+  <p:clrMapOvr>
+    <a:masterClrMapping/>
+  </p:clrMapOvr>
+</p:sld>
+</file>
+
+<file path=ppt/slides/slide24.xml><?xml version="1.0" encoding="utf-8"?>
 <p:sld xmlns:a="http://schemas.openxmlformats.org/drawingml/2006/main" xmlns:r="http://schemas.openxmlformats.org/officeDocument/2006/relationships" xmlns:p="http://schemas.openxmlformats.org/presentationml/2006/main">
   <p:cSld>
     <p:spTree>

--- a/readme/python3_Advanced.pptx
+++ b/readme/python3_Advanced.pptx
@@ -5,7 +5,7 @@
     <p:sldMasterId id="2147483648" r:id="rId1"/>
   </p:sldMasterIdLst>
   <p:notesMasterIdLst>
-    <p:notesMasterId r:id="rId26"/>
+    <p:notesMasterId r:id="rId28"/>
   </p:notesMasterIdLst>
   <p:sldIdLst>
     <p:sldId id="258" r:id="rId2"/>
@@ -31,7 +31,9 @@
     <p:sldId id="278" r:id="rId22"/>
     <p:sldId id="280" r:id="rId23"/>
     <p:sldId id="279" r:id="rId24"/>
-    <p:sldId id="260" r:id="rId25"/>
+    <p:sldId id="281" r:id="rId25"/>
+    <p:sldId id="282" r:id="rId26"/>
+    <p:sldId id="260" r:id="rId27"/>
   </p:sldIdLst>
   <p:sldSz cx="9144000" cy="6858000" type="screen4x3"/>
   <p:notesSz cx="6858000" cy="9144000"/>
@@ -216,7 +218,7 @@
             <a:fld id="{FD58268D-331D-419A-93EA-516EB7590CA4}" type="datetimeFigureOut">
               <a:rPr lang="zh-CN" altLang="en-US" smtClean="0"/>
               <a:pPr/>
-              <a:t>2019-10-27</a:t>
+              <a:t>2019-12-08</a:t>
             </a:fld>
             <a:endParaRPr lang="zh-CN" altLang="en-US"/>
           </a:p>
@@ -922,7 +924,7 @@
             <a:fld id="{530820CF-B880-4189-942D-D702A7CBA730}" type="datetimeFigureOut">
               <a:rPr lang="zh-CN" altLang="en-US" smtClean="0"/>
               <a:pPr/>
-              <a:t>2019-10-27</a:t>
+              <a:t>2019-12-08</a:t>
             </a:fld>
             <a:endParaRPr lang="zh-CN" altLang="en-US"/>
           </a:p>
@@ -1089,7 +1091,7 @@
             <a:fld id="{530820CF-B880-4189-942D-D702A7CBA730}" type="datetimeFigureOut">
               <a:rPr lang="zh-CN" altLang="en-US" smtClean="0"/>
               <a:pPr/>
-              <a:t>2019-10-27</a:t>
+              <a:t>2019-12-08</a:t>
             </a:fld>
             <a:endParaRPr lang="zh-CN" altLang="en-US"/>
           </a:p>
@@ -1266,7 +1268,7 @@
             <a:fld id="{530820CF-B880-4189-942D-D702A7CBA730}" type="datetimeFigureOut">
               <a:rPr lang="zh-CN" altLang="en-US" smtClean="0"/>
               <a:pPr/>
-              <a:t>2019-10-27</a:t>
+              <a:t>2019-12-08</a:t>
             </a:fld>
             <a:endParaRPr lang="zh-CN" altLang="en-US"/>
           </a:p>
@@ -1433,7 +1435,7 @@
             <a:fld id="{530820CF-B880-4189-942D-D702A7CBA730}" type="datetimeFigureOut">
               <a:rPr lang="zh-CN" altLang="en-US" smtClean="0"/>
               <a:pPr/>
-              <a:t>2019-10-27</a:t>
+              <a:t>2019-12-08</a:t>
             </a:fld>
             <a:endParaRPr lang="zh-CN" altLang="en-US"/>
           </a:p>
@@ -1676,7 +1678,7 @@
             <a:fld id="{530820CF-B880-4189-942D-D702A7CBA730}" type="datetimeFigureOut">
               <a:rPr lang="zh-CN" altLang="en-US" smtClean="0"/>
               <a:pPr/>
-              <a:t>2019-10-27</a:t>
+              <a:t>2019-12-08</a:t>
             </a:fld>
             <a:endParaRPr lang="zh-CN" altLang="en-US"/>
           </a:p>
@@ -1961,7 +1963,7 @@
             <a:fld id="{530820CF-B880-4189-942D-D702A7CBA730}" type="datetimeFigureOut">
               <a:rPr lang="zh-CN" altLang="en-US" smtClean="0"/>
               <a:pPr/>
-              <a:t>2019-10-27</a:t>
+              <a:t>2019-12-08</a:t>
             </a:fld>
             <a:endParaRPr lang="zh-CN" altLang="en-US"/>
           </a:p>
@@ -2380,7 +2382,7 @@
             <a:fld id="{530820CF-B880-4189-942D-D702A7CBA730}" type="datetimeFigureOut">
               <a:rPr lang="zh-CN" altLang="en-US" smtClean="0"/>
               <a:pPr/>
-              <a:t>2019-10-27</a:t>
+              <a:t>2019-12-08</a:t>
             </a:fld>
             <a:endParaRPr lang="zh-CN" altLang="en-US"/>
           </a:p>
@@ -2495,7 +2497,7 @@
             <a:fld id="{530820CF-B880-4189-942D-D702A7CBA730}" type="datetimeFigureOut">
               <a:rPr lang="zh-CN" altLang="en-US" smtClean="0"/>
               <a:pPr/>
-              <a:t>2019-10-27</a:t>
+              <a:t>2019-12-08</a:t>
             </a:fld>
             <a:endParaRPr lang="zh-CN" altLang="en-US"/>
           </a:p>
@@ -2587,7 +2589,7 @@
             <a:fld id="{530820CF-B880-4189-942D-D702A7CBA730}" type="datetimeFigureOut">
               <a:rPr lang="zh-CN" altLang="en-US" smtClean="0"/>
               <a:pPr/>
-              <a:t>2019-10-27</a:t>
+              <a:t>2019-12-08</a:t>
             </a:fld>
             <a:endParaRPr lang="zh-CN" altLang="en-US"/>
           </a:p>
@@ -2861,7 +2863,7 @@
             <a:fld id="{530820CF-B880-4189-942D-D702A7CBA730}" type="datetimeFigureOut">
               <a:rPr lang="zh-CN" altLang="en-US" smtClean="0"/>
               <a:pPr/>
-              <a:t>2019-10-27</a:t>
+              <a:t>2019-12-08</a:t>
             </a:fld>
             <a:endParaRPr lang="zh-CN" altLang="en-US"/>
           </a:p>
@@ -3111,7 +3113,7 @@
             <a:fld id="{530820CF-B880-4189-942D-D702A7CBA730}" type="datetimeFigureOut">
               <a:rPr lang="zh-CN" altLang="en-US" smtClean="0"/>
               <a:pPr/>
-              <a:t>2019-10-27</a:t>
+              <a:t>2019-12-08</a:t>
             </a:fld>
             <a:endParaRPr lang="zh-CN" altLang="en-US"/>
           </a:p>
@@ -3321,7 +3323,7 @@
             <a:fld id="{530820CF-B880-4189-942D-D702A7CBA730}" type="datetimeFigureOut">
               <a:rPr lang="zh-CN" altLang="en-US" smtClean="0"/>
               <a:pPr/>
-              <a:t>2019-10-27</a:t>
+              <a:t>2019-12-08</a:t>
             </a:fld>
             <a:endParaRPr lang="zh-CN" altLang="en-US"/>
           </a:p>
@@ -6013,11 +6015,7 @@
             </a:r>
             <a:r>
               <a:rPr lang="en-US" altLang="zh-CN" dirty="0" smtClean="0"/>
-              <a:t> https://</a:t>
-            </a:r>
-            <a:r>
-              <a:rPr lang="en-US" altLang="zh-CN" dirty="0" smtClean="0"/>
-              <a:t>www.python.org/ftp/python/3.7.0/Python-3.7.0.tgz</a:t>
+              <a:t> https://www.python.org/ftp/python/3.7.0/Python-3.7.0.tgz</a:t>
             </a:r>
             <a:endParaRPr lang="en-US" altLang="zh-CN" b="1" dirty="0" smtClean="0"/>
           </a:p>
@@ -6028,11 +6026,7 @@
             </a:pPr>
             <a:r>
               <a:rPr lang="zh-CN" altLang="en-US" sz="3200" dirty="0" smtClean="0"/>
-              <a:t>解</a:t>
-            </a:r>
-            <a:r>
-              <a:rPr lang="zh-CN" altLang="en-US" sz="3200" dirty="0" smtClean="0"/>
-              <a:t>压</a:t>
+              <a:t>解压</a:t>
             </a:r>
             <a:r>
               <a:rPr lang="en-US" altLang="zh-CN" sz="3200" dirty="0" smtClean="0"/>
@@ -6040,11 +6034,7 @@
             </a:r>
             <a:r>
               <a:rPr lang="zh-CN" altLang="en-US" sz="3200" dirty="0" smtClean="0"/>
-              <a:t>压缩</a:t>
-            </a:r>
-            <a:r>
-              <a:rPr lang="zh-CN" altLang="en-US" sz="3200" dirty="0" smtClean="0"/>
-              <a:t>包</a:t>
+              <a:t>压缩包</a:t>
             </a:r>
             <a:endParaRPr lang="en-US" altLang="zh-CN" sz="3200" dirty="0" smtClean="0"/>
           </a:p>
@@ -6093,7 +6083,6 @@
               <a:rPr lang="en-US" altLang="zh-CN" dirty="0" smtClean="0"/>
               <a:t>./configure</a:t>
             </a:r>
-            <a:endParaRPr lang="en-US" altLang="zh-CN" dirty="0" smtClean="0"/>
           </a:p>
           <a:p>
             <a:pPr marL="342900" lvl="1" indent="-342900">
@@ -6115,11 +6104,7 @@
             </a:pPr>
             <a:r>
               <a:rPr lang="en-US" altLang="zh-CN" dirty="0" smtClean="0"/>
-              <a:t>make  &amp;&amp; make </a:t>
-            </a:r>
-            <a:r>
-              <a:rPr lang="en-US" altLang="zh-CN" dirty="0" smtClean="0"/>
-              <a:t>install</a:t>
+              <a:t>make  &amp;&amp; make install</a:t>
             </a:r>
             <a:endParaRPr lang="en-US" altLang="zh-CN" b="1" dirty="0" smtClean="0"/>
           </a:p>
@@ -6130,11 +6115,7 @@
             </a:pPr>
             <a:r>
               <a:rPr lang="zh-CN" altLang="en-US" sz="4000" dirty="0" smtClean="0"/>
-              <a:t>安装依赖</a:t>
-            </a:r>
-            <a:r>
-              <a:rPr lang="zh-CN" altLang="en-US" sz="4000" dirty="0" smtClean="0"/>
-              <a:t>：</a:t>
+              <a:t>安装依赖：</a:t>
             </a:r>
             <a:endParaRPr lang="en-US" altLang="zh-CN" sz="4000" dirty="0" smtClean="0"/>
           </a:p>
@@ -6144,11 +6125,7 @@
             </a:pPr>
             <a:r>
               <a:rPr lang="en-US" altLang="zh-CN" dirty="0" smtClean="0"/>
-              <a:t>pip3 </a:t>
-            </a:r>
-            <a:r>
-              <a:rPr lang="en-US" altLang="zh-CN" dirty="0" smtClean="0"/>
-              <a:t>install </a:t>
+              <a:t>pip3 install </a:t>
             </a:r>
             <a:r>
               <a:rPr lang="en-US" altLang="zh-CN" dirty="0" err="1" smtClean="0"/>
@@ -6164,11 +6141,7 @@
             </a:r>
             <a:r>
               <a:rPr lang="en-US" altLang="zh-CN" dirty="0" smtClean="0"/>
-              <a:t> </a:t>
-            </a:r>
-            <a:r>
-              <a:rPr lang="en-US" altLang="zh-CN" dirty="0" smtClean="0"/>
-              <a:t>jinja2</a:t>
+              <a:t> jinja2</a:t>
             </a:r>
           </a:p>
           <a:p>
@@ -6273,6 +6246,513 @@
 </file>
 
 <file path=ppt/slides/slide24.xml><?xml version="1.0" encoding="utf-8"?>
+<p:sld xmlns:a="http://schemas.openxmlformats.org/drawingml/2006/main" xmlns:r="http://schemas.openxmlformats.org/officeDocument/2006/relationships" xmlns:p="http://schemas.openxmlformats.org/presentationml/2006/main">
+  <p:cSld>
+    <p:spTree>
+      <p:nvGrpSpPr>
+        <p:cNvPr id="1" name=""/>
+        <p:cNvGrpSpPr/>
+        <p:nvPr/>
+      </p:nvGrpSpPr>
+      <p:grpSpPr>
+        <a:xfrm>
+          <a:off x="0" y="0"/>
+          <a:ext cx="0" cy="0"/>
+          <a:chOff x="0" y="0"/>
+          <a:chExt cx="0" cy="0"/>
+        </a:xfrm>
+      </p:grpSpPr>
+      <p:sp>
+        <p:nvSpPr>
+          <p:cNvPr id="2" name="标题 1"/>
+          <p:cNvSpPr>
+            <a:spLocks noGrp="1"/>
+          </p:cNvSpPr>
+          <p:nvPr>
+            <p:ph type="title"/>
+          </p:nvPr>
+        </p:nvSpPr>
+        <p:spPr/>
+        <p:txBody>
+          <a:bodyPr/>
+          <a:lstStyle/>
+          <a:p>
+            <a:r>
+              <a:rPr lang="en-US" altLang="zh-CN" dirty="0" smtClean="0"/>
+              <a:t>API</a:t>
+            </a:r>
+            <a:r>
+              <a:rPr lang="zh-CN" altLang="en-US" dirty="0" smtClean="0"/>
+              <a:t>的编写</a:t>
+            </a:r>
+            <a:endParaRPr lang="zh-CN" altLang="en-US" dirty="0"/>
+          </a:p>
+        </p:txBody>
+      </p:sp>
+      <p:sp>
+        <p:nvSpPr>
+          <p:cNvPr id="3" name="内容占位符 2"/>
+          <p:cNvSpPr>
+            <a:spLocks noGrp="1"/>
+          </p:cNvSpPr>
+          <p:nvPr>
+            <p:ph idx="1"/>
+          </p:nvPr>
+        </p:nvSpPr>
+        <p:spPr/>
+        <p:txBody>
+          <a:bodyPr/>
+          <a:lstStyle/>
+          <a:p>
+            <a:r>
+              <a:rPr lang="en-US" altLang="zh-CN" dirty="0" smtClean="0">
+                <a:hlinkClick r:id="rId2"/>
+              </a:rPr>
+              <a:t>REST</a:t>
+            </a:r>
+            <a:r>
+              <a:rPr lang="zh-CN" altLang="en-US" dirty="0" smtClean="0"/>
+              <a:t>（</a:t>
+            </a:r>
+            <a:r>
+              <a:rPr lang="en-US" altLang="zh-CN" dirty="0" smtClean="0"/>
+              <a:t>Representational State Transfer</a:t>
+            </a:r>
+            <a:r>
+              <a:rPr lang="zh-CN" altLang="en-US" dirty="0" smtClean="0"/>
+              <a:t>）</a:t>
+            </a:r>
+            <a:r>
+              <a:rPr lang="zh-CN" altLang="en-US" dirty="0" smtClean="0"/>
+              <a:t>风格</a:t>
+            </a:r>
+            <a:endParaRPr lang="en-US" altLang="zh-CN" dirty="0" smtClean="0"/>
+          </a:p>
+          <a:p>
+            <a:pPr lvl="1"/>
+            <a:r>
+              <a:rPr lang="en-US" altLang="zh-CN" dirty="0" smtClean="0"/>
+              <a:t>GET    </a:t>
+            </a:r>
+          </a:p>
+          <a:p>
+            <a:pPr lvl="1"/>
+            <a:r>
+              <a:rPr lang="en-US" altLang="zh-CN" dirty="0" smtClean="0"/>
+              <a:t>POST</a:t>
+            </a:r>
+          </a:p>
+          <a:p>
+            <a:pPr lvl="1"/>
+            <a:r>
+              <a:rPr lang="en-US" altLang="zh-CN" dirty="0" smtClean="0"/>
+              <a:t>PUT</a:t>
+            </a:r>
+          </a:p>
+          <a:p>
+            <a:pPr lvl="1"/>
+            <a:r>
+              <a:rPr lang="en-US" altLang="zh-CN" dirty="0" smtClean="0"/>
+              <a:t>DELETE</a:t>
+            </a:r>
+          </a:p>
+          <a:p>
+            <a:pPr lvl="1">
+              <a:buNone/>
+            </a:pPr>
+            <a:endParaRPr lang="zh-CN" altLang="en-US" dirty="0"/>
+          </a:p>
+        </p:txBody>
+      </p:sp>
+    </p:spTree>
+  </p:cSld>
+  <p:clrMapOvr>
+    <a:masterClrMapping/>
+  </p:clrMapOvr>
+</p:sld>
+</file>
+
+<file path=ppt/slides/slide25.xml><?xml version="1.0" encoding="utf-8"?>
+<p:sld xmlns:a="http://schemas.openxmlformats.org/drawingml/2006/main" xmlns:r="http://schemas.openxmlformats.org/officeDocument/2006/relationships" xmlns:p="http://schemas.openxmlformats.org/presentationml/2006/main">
+  <p:cSld>
+    <p:spTree>
+      <p:nvGrpSpPr>
+        <p:cNvPr id="1" name=""/>
+        <p:cNvGrpSpPr/>
+        <p:nvPr/>
+      </p:nvGrpSpPr>
+      <p:grpSpPr>
+        <a:xfrm>
+          <a:off x="0" y="0"/>
+          <a:ext cx="0" cy="0"/>
+          <a:chOff x="0" y="0"/>
+          <a:chExt cx="0" cy="0"/>
+        </a:xfrm>
+      </p:grpSpPr>
+      <p:sp>
+        <p:nvSpPr>
+          <p:cNvPr id="3" name="内容占位符 2"/>
+          <p:cNvSpPr>
+            <a:spLocks noGrp="1"/>
+          </p:cNvSpPr>
+          <p:nvPr>
+            <p:ph idx="1"/>
+          </p:nvPr>
+        </p:nvSpPr>
+        <p:spPr>
+          <a:xfrm>
+            <a:off x="457200" y="260648"/>
+            <a:ext cx="8229600" cy="6480720"/>
+          </a:xfrm>
+        </p:spPr>
+        <p:txBody>
+          <a:bodyPr>
+            <a:noAutofit/>
+          </a:bodyPr>
+          <a:lstStyle/>
+          <a:p>
+            <a:r>
+              <a:rPr lang="zh-CN" altLang="en-US" sz="1600" dirty="0" smtClean="0"/>
+              <a:t>后端</a:t>
+            </a:r>
+            <a:r>
+              <a:rPr lang="en-US" altLang="zh-CN" sz="1600" dirty="0" smtClean="0"/>
+              <a:t>API</a:t>
+            </a:r>
+            <a:r>
+              <a:rPr lang="zh-CN" altLang="en-US" sz="1600" dirty="0" smtClean="0"/>
+              <a:t>包括：</a:t>
+            </a:r>
+          </a:p>
+          <a:p>
+            <a:r>
+              <a:rPr lang="zh-CN" altLang="en-US" sz="1600" dirty="0" smtClean="0"/>
+              <a:t>获取日志：</a:t>
+            </a:r>
+            <a:r>
+              <a:rPr lang="en-US" altLang="zh-CN" sz="1600" dirty="0" smtClean="0"/>
+              <a:t>GET /</a:t>
+            </a:r>
+            <a:r>
+              <a:rPr lang="en-US" altLang="zh-CN" sz="1600" dirty="0" err="1" smtClean="0"/>
+              <a:t>api</a:t>
+            </a:r>
+            <a:r>
+              <a:rPr lang="en-US" altLang="zh-CN" sz="1600" dirty="0" smtClean="0"/>
+              <a:t>/blogs</a:t>
+            </a:r>
+          </a:p>
+          <a:p>
+            <a:r>
+              <a:rPr lang="zh-CN" altLang="en-US" sz="1600" dirty="0" smtClean="0"/>
+              <a:t>创建日志：</a:t>
+            </a:r>
+            <a:r>
+              <a:rPr lang="en-US" altLang="zh-CN" sz="1600" dirty="0" smtClean="0"/>
+              <a:t>POST /</a:t>
+            </a:r>
+            <a:r>
+              <a:rPr lang="en-US" altLang="zh-CN" sz="1600" dirty="0" err="1" smtClean="0"/>
+              <a:t>api</a:t>
+            </a:r>
+            <a:r>
+              <a:rPr lang="en-US" altLang="zh-CN" sz="1600" dirty="0" smtClean="0"/>
+              <a:t>/blogs</a:t>
+            </a:r>
+          </a:p>
+          <a:p>
+            <a:r>
+              <a:rPr lang="zh-CN" altLang="en-US" sz="1600" dirty="0" smtClean="0"/>
+              <a:t>修改日志：</a:t>
+            </a:r>
+            <a:r>
+              <a:rPr lang="en-US" altLang="zh-CN" sz="1600" dirty="0" smtClean="0"/>
+              <a:t>POST /</a:t>
+            </a:r>
+            <a:r>
+              <a:rPr lang="en-US" altLang="zh-CN" sz="1600" dirty="0" err="1" smtClean="0"/>
+              <a:t>api</a:t>
+            </a:r>
+            <a:r>
+              <a:rPr lang="en-US" altLang="zh-CN" sz="1600" dirty="0" smtClean="0"/>
+              <a:t>/blogs/:</a:t>
+            </a:r>
+            <a:r>
+              <a:rPr lang="en-US" altLang="zh-CN" sz="1600" dirty="0" err="1" smtClean="0"/>
+              <a:t>blog_id</a:t>
+            </a:r>
+            <a:endParaRPr lang="en-US" altLang="zh-CN" sz="1600" dirty="0" smtClean="0"/>
+          </a:p>
+          <a:p>
+            <a:r>
+              <a:rPr lang="zh-CN" altLang="en-US" sz="1600" dirty="0" smtClean="0"/>
+              <a:t>删除日志：</a:t>
+            </a:r>
+            <a:r>
+              <a:rPr lang="en-US" altLang="zh-CN" sz="1600" dirty="0" smtClean="0"/>
+              <a:t>POST /</a:t>
+            </a:r>
+            <a:r>
+              <a:rPr lang="en-US" altLang="zh-CN" sz="1600" dirty="0" err="1" smtClean="0"/>
+              <a:t>api</a:t>
+            </a:r>
+            <a:r>
+              <a:rPr lang="en-US" altLang="zh-CN" sz="1600" dirty="0" smtClean="0"/>
+              <a:t>/blogs/:</a:t>
+            </a:r>
+            <a:r>
+              <a:rPr lang="en-US" altLang="zh-CN" sz="1600" dirty="0" err="1" smtClean="0"/>
+              <a:t>blog_id</a:t>
+            </a:r>
+            <a:r>
+              <a:rPr lang="en-US" altLang="zh-CN" sz="1600" dirty="0" smtClean="0"/>
+              <a:t>/delete</a:t>
+            </a:r>
+          </a:p>
+          <a:p>
+            <a:r>
+              <a:rPr lang="zh-CN" altLang="en-US" sz="1600" dirty="0" smtClean="0"/>
+              <a:t>获取评论：</a:t>
+            </a:r>
+            <a:r>
+              <a:rPr lang="en-US" altLang="zh-CN" sz="1600" dirty="0" smtClean="0"/>
+              <a:t>GET /</a:t>
+            </a:r>
+            <a:r>
+              <a:rPr lang="en-US" altLang="zh-CN" sz="1600" dirty="0" err="1" smtClean="0"/>
+              <a:t>api</a:t>
+            </a:r>
+            <a:r>
+              <a:rPr lang="en-US" altLang="zh-CN" sz="1600" dirty="0" smtClean="0"/>
+              <a:t>/comments</a:t>
+            </a:r>
+          </a:p>
+          <a:p>
+            <a:r>
+              <a:rPr lang="zh-CN" altLang="en-US" sz="1600" dirty="0" smtClean="0"/>
+              <a:t>创建评论：</a:t>
+            </a:r>
+            <a:r>
+              <a:rPr lang="en-US" altLang="zh-CN" sz="1600" dirty="0" smtClean="0"/>
+              <a:t>POST /</a:t>
+            </a:r>
+            <a:r>
+              <a:rPr lang="en-US" altLang="zh-CN" sz="1600" dirty="0" err="1" smtClean="0"/>
+              <a:t>api</a:t>
+            </a:r>
+            <a:r>
+              <a:rPr lang="en-US" altLang="zh-CN" sz="1600" dirty="0" smtClean="0"/>
+              <a:t>/blogs/:</a:t>
+            </a:r>
+            <a:r>
+              <a:rPr lang="en-US" altLang="zh-CN" sz="1600" dirty="0" err="1" smtClean="0"/>
+              <a:t>blog_id</a:t>
+            </a:r>
+            <a:r>
+              <a:rPr lang="en-US" altLang="zh-CN" sz="1600" dirty="0" smtClean="0"/>
+              <a:t>/comments</a:t>
+            </a:r>
+          </a:p>
+          <a:p>
+            <a:r>
+              <a:rPr lang="zh-CN" altLang="en-US" sz="1600" dirty="0" smtClean="0"/>
+              <a:t>删除评论：</a:t>
+            </a:r>
+            <a:r>
+              <a:rPr lang="en-US" altLang="zh-CN" sz="1600" dirty="0" smtClean="0"/>
+              <a:t>POST /</a:t>
+            </a:r>
+            <a:r>
+              <a:rPr lang="en-US" altLang="zh-CN" sz="1600" dirty="0" err="1" smtClean="0"/>
+              <a:t>api</a:t>
+            </a:r>
+            <a:r>
+              <a:rPr lang="en-US" altLang="zh-CN" sz="1600" dirty="0" smtClean="0"/>
+              <a:t>/comments/:</a:t>
+            </a:r>
+            <a:r>
+              <a:rPr lang="en-US" altLang="zh-CN" sz="1600" dirty="0" err="1" smtClean="0"/>
+              <a:t>comment_id</a:t>
+            </a:r>
+            <a:r>
+              <a:rPr lang="en-US" altLang="zh-CN" sz="1600" dirty="0" smtClean="0"/>
+              <a:t>/delete</a:t>
+            </a:r>
+          </a:p>
+          <a:p>
+            <a:r>
+              <a:rPr lang="zh-CN" altLang="en-US" sz="1600" dirty="0" smtClean="0"/>
+              <a:t>创建新用户：</a:t>
+            </a:r>
+            <a:r>
+              <a:rPr lang="en-US" altLang="zh-CN" sz="1600" dirty="0" smtClean="0"/>
+              <a:t>POST /</a:t>
+            </a:r>
+            <a:r>
+              <a:rPr lang="en-US" altLang="zh-CN" sz="1600" dirty="0" err="1" smtClean="0"/>
+              <a:t>api</a:t>
+            </a:r>
+            <a:r>
+              <a:rPr lang="en-US" altLang="zh-CN" sz="1600" dirty="0" smtClean="0"/>
+              <a:t>/users</a:t>
+            </a:r>
+          </a:p>
+          <a:p>
+            <a:r>
+              <a:rPr lang="zh-CN" altLang="en-US" sz="1600" dirty="0" smtClean="0"/>
+              <a:t>获取用户：</a:t>
+            </a:r>
+            <a:r>
+              <a:rPr lang="en-US" altLang="zh-CN" sz="1600" dirty="0" smtClean="0"/>
+              <a:t>GET /</a:t>
+            </a:r>
+            <a:r>
+              <a:rPr lang="en-US" altLang="zh-CN" sz="1600" dirty="0" err="1" smtClean="0"/>
+              <a:t>api</a:t>
+            </a:r>
+            <a:r>
+              <a:rPr lang="en-US" altLang="zh-CN" sz="1600" dirty="0" smtClean="0"/>
+              <a:t>/users</a:t>
+            </a:r>
+          </a:p>
+          <a:p>
+            <a:r>
+              <a:rPr lang="zh-CN" altLang="en-US" sz="1600" dirty="0" smtClean="0"/>
+              <a:t>管理页面包括：</a:t>
+            </a:r>
+          </a:p>
+          <a:p>
+            <a:r>
+              <a:rPr lang="zh-CN" altLang="en-US" sz="1600" dirty="0" smtClean="0"/>
+              <a:t>评论列表页：</a:t>
+            </a:r>
+            <a:r>
+              <a:rPr lang="en-US" altLang="zh-CN" sz="1600" dirty="0" smtClean="0"/>
+              <a:t>GET /manage/comments</a:t>
+            </a:r>
+          </a:p>
+          <a:p>
+            <a:r>
+              <a:rPr lang="zh-CN" altLang="en-US" sz="1600" dirty="0" smtClean="0"/>
+              <a:t>日志列表页：</a:t>
+            </a:r>
+            <a:r>
+              <a:rPr lang="en-US" altLang="zh-CN" sz="1600" dirty="0" smtClean="0"/>
+              <a:t>GET /manage/blogs</a:t>
+            </a:r>
+          </a:p>
+          <a:p>
+            <a:r>
+              <a:rPr lang="zh-CN" altLang="en-US" sz="1600" dirty="0" smtClean="0"/>
+              <a:t>创建日志页：</a:t>
+            </a:r>
+            <a:r>
+              <a:rPr lang="en-US" altLang="zh-CN" sz="1600" dirty="0" smtClean="0"/>
+              <a:t>GET /manage/blogs/create</a:t>
+            </a:r>
+          </a:p>
+          <a:p>
+            <a:r>
+              <a:rPr lang="zh-CN" altLang="en-US" sz="1600" dirty="0" smtClean="0"/>
+              <a:t>修改日志页：</a:t>
+            </a:r>
+            <a:r>
+              <a:rPr lang="en-US" altLang="zh-CN" sz="1600" dirty="0" smtClean="0"/>
+              <a:t>GET /manage/blogs/</a:t>
+            </a:r>
+          </a:p>
+          <a:p>
+            <a:r>
+              <a:rPr lang="zh-CN" altLang="en-US" sz="1600" dirty="0" smtClean="0"/>
+              <a:t>用户列表页：</a:t>
+            </a:r>
+            <a:r>
+              <a:rPr lang="en-US" altLang="zh-CN" sz="1600" dirty="0" smtClean="0"/>
+              <a:t>GET /manage/users</a:t>
+            </a:r>
+          </a:p>
+          <a:p>
+            <a:r>
+              <a:rPr lang="zh-CN" altLang="en-US" sz="1600" dirty="0" smtClean="0"/>
+              <a:t>用户浏览页面包括：</a:t>
+            </a:r>
+          </a:p>
+          <a:p>
+            <a:r>
+              <a:rPr lang="zh-CN" altLang="en-US" sz="1600" dirty="0" smtClean="0"/>
+              <a:t>注册页：</a:t>
+            </a:r>
+            <a:r>
+              <a:rPr lang="en-US" altLang="zh-CN" sz="1600" dirty="0" smtClean="0"/>
+              <a:t>GET /register</a:t>
+            </a:r>
+          </a:p>
+          <a:p>
+            <a:r>
+              <a:rPr lang="zh-CN" altLang="en-US" sz="1600" dirty="0" smtClean="0"/>
+              <a:t>登录页：</a:t>
+            </a:r>
+            <a:r>
+              <a:rPr lang="en-US" altLang="zh-CN" sz="1600" dirty="0" smtClean="0"/>
+              <a:t>GET /</a:t>
+            </a:r>
+            <a:r>
+              <a:rPr lang="en-US" altLang="zh-CN" sz="1600" dirty="0" err="1" smtClean="0"/>
+              <a:t>signin</a:t>
+            </a:r>
+            <a:endParaRPr lang="en-US" altLang="zh-CN" sz="1600" dirty="0" smtClean="0"/>
+          </a:p>
+          <a:p>
+            <a:r>
+              <a:rPr lang="zh-CN" altLang="en-US" sz="1600" dirty="0" smtClean="0"/>
+              <a:t>注销页：</a:t>
+            </a:r>
+            <a:r>
+              <a:rPr lang="en-US" altLang="zh-CN" sz="1600" dirty="0" smtClean="0"/>
+              <a:t>GET /</a:t>
+            </a:r>
+            <a:r>
+              <a:rPr lang="en-US" altLang="zh-CN" sz="1600" dirty="0" err="1" smtClean="0"/>
+              <a:t>signout</a:t>
+            </a:r>
+            <a:endParaRPr lang="en-US" altLang="zh-CN" sz="1600" dirty="0" smtClean="0"/>
+          </a:p>
+          <a:p>
+            <a:r>
+              <a:rPr lang="zh-CN" altLang="en-US" sz="1600" dirty="0" smtClean="0"/>
+              <a:t>首页：</a:t>
+            </a:r>
+            <a:r>
+              <a:rPr lang="en-US" altLang="zh-CN" sz="1600" dirty="0" smtClean="0"/>
+              <a:t>GET /</a:t>
+            </a:r>
+          </a:p>
+          <a:p>
+            <a:r>
+              <a:rPr lang="zh-CN" altLang="en-US" sz="1600" dirty="0" smtClean="0"/>
+              <a:t>日志详情页：</a:t>
+            </a:r>
+            <a:r>
+              <a:rPr lang="en-US" altLang="zh-CN" sz="1600" dirty="0" smtClean="0"/>
+              <a:t>GET /blog/:</a:t>
+            </a:r>
+            <a:r>
+              <a:rPr lang="en-US" altLang="zh-CN" sz="1600" dirty="0" err="1" smtClean="0"/>
+              <a:t>blog_id</a:t>
+            </a:r>
+            <a:endParaRPr lang="zh-CN" altLang="en-US" sz="1600" dirty="0"/>
+          </a:p>
+        </p:txBody>
+      </p:sp>
+    </p:spTree>
+  </p:cSld>
+  <p:clrMapOvr>
+    <a:masterClrMapping/>
+  </p:clrMapOvr>
+</p:sld>
+</file>
+
+<file path=ppt/slides/slide26.xml><?xml version="1.0" encoding="utf-8"?>
 <p:sld xmlns:a="http://schemas.openxmlformats.org/drawingml/2006/main" xmlns:r="http://schemas.openxmlformats.org/officeDocument/2006/relationships" xmlns:p="http://schemas.openxmlformats.org/presentationml/2006/main">
   <p:cSld>
     <p:spTree>

--- a/readme/python3_Advanced.pptx
+++ b/readme/python3_Advanced.pptx
@@ -5,7 +5,7 @@
     <p:sldMasterId id="2147483648" r:id="rId1"/>
   </p:sldMasterIdLst>
   <p:notesMasterIdLst>
-    <p:notesMasterId r:id="rId28"/>
+    <p:notesMasterId r:id="rId29"/>
   </p:notesMasterIdLst>
   <p:sldIdLst>
     <p:sldId id="258" r:id="rId2"/>
@@ -33,7 +33,8 @@
     <p:sldId id="279" r:id="rId24"/>
     <p:sldId id="281" r:id="rId25"/>
     <p:sldId id="282" r:id="rId26"/>
-    <p:sldId id="260" r:id="rId27"/>
+    <p:sldId id="283" r:id="rId27"/>
+    <p:sldId id="260" r:id="rId28"/>
   </p:sldIdLst>
   <p:sldSz cx="9144000" cy="6858000" type="screen4x3"/>
   <p:notesSz cx="6858000" cy="9144000"/>
@@ -218,7 +219,7 @@
             <a:fld id="{FD58268D-331D-419A-93EA-516EB7590CA4}" type="datetimeFigureOut">
               <a:rPr lang="zh-CN" altLang="en-US" smtClean="0"/>
               <a:pPr/>
-              <a:t>2019-12-08</a:t>
+              <a:t>2020-01-05</a:t>
             </a:fld>
             <a:endParaRPr lang="zh-CN" altLang="en-US"/>
           </a:p>
@@ -924,7 +925,7 @@
             <a:fld id="{530820CF-B880-4189-942D-D702A7CBA730}" type="datetimeFigureOut">
               <a:rPr lang="zh-CN" altLang="en-US" smtClean="0"/>
               <a:pPr/>
-              <a:t>2019-12-08</a:t>
+              <a:t>2020-01-05</a:t>
             </a:fld>
             <a:endParaRPr lang="zh-CN" altLang="en-US"/>
           </a:p>
@@ -1091,7 +1092,7 @@
             <a:fld id="{530820CF-B880-4189-942D-D702A7CBA730}" type="datetimeFigureOut">
               <a:rPr lang="zh-CN" altLang="en-US" smtClean="0"/>
               <a:pPr/>
-              <a:t>2019-12-08</a:t>
+              <a:t>2020-01-05</a:t>
             </a:fld>
             <a:endParaRPr lang="zh-CN" altLang="en-US"/>
           </a:p>
@@ -1268,7 +1269,7 @@
             <a:fld id="{530820CF-B880-4189-942D-D702A7CBA730}" type="datetimeFigureOut">
               <a:rPr lang="zh-CN" altLang="en-US" smtClean="0"/>
               <a:pPr/>
-              <a:t>2019-12-08</a:t>
+              <a:t>2020-01-05</a:t>
             </a:fld>
             <a:endParaRPr lang="zh-CN" altLang="en-US"/>
           </a:p>
@@ -1435,7 +1436,7 @@
             <a:fld id="{530820CF-B880-4189-942D-D702A7CBA730}" type="datetimeFigureOut">
               <a:rPr lang="zh-CN" altLang="en-US" smtClean="0"/>
               <a:pPr/>
-              <a:t>2019-12-08</a:t>
+              <a:t>2020-01-05</a:t>
             </a:fld>
             <a:endParaRPr lang="zh-CN" altLang="en-US"/>
           </a:p>
@@ -1678,7 +1679,7 @@
             <a:fld id="{530820CF-B880-4189-942D-D702A7CBA730}" type="datetimeFigureOut">
               <a:rPr lang="zh-CN" altLang="en-US" smtClean="0"/>
               <a:pPr/>
-              <a:t>2019-12-08</a:t>
+              <a:t>2020-01-05</a:t>
             </a:fld>
             <a:endParaRPr lang="zh-CN" altLang="en-US"/>
           </a:p>
@@ -1963,7 +1964,7 @@
             <a:fld id="{530820CF-B880-4189-942D-D702A7CBA730}" type="datetimeFigureOut">
               <a:rPr lang="zh-CN" altLang="en-US" smtClean="0"/>
               <a:pPr/>
-              <a:t>2019-12-08</a:t>
+              <a:t>2020-01-05</a:t>
             </a:fld>
             <a:endParaRPr lang="zh-CN" altLang="en-US"/>
           </a:p>
@@ -2382,7 +2383,7 @@
             <a:fld id="{530820CF-B880-4189-942D-D702A7CBA730}" type="datetimeFigureOut">
               <a:rPr lang="zh-CN" altLang="en-US" smtClean="0"/>
               <a:pPr/>
-              <a:t>2019-12-08</a:t>
+              <a:t>2020-01-05</a:t>
             </a:fld>
             <a:endParaRPr lang="zh-CN" altLang="en-US"/>
           </a:p>
@@ -2497,7 +2498,7 @@
             <a:fld id="{530820CF-B880-4189-942D-D702A7CBA730}" type="datetimeFigureOut">
               <a:rPr lang="zh-CN" altLang="en-US" smtClean="0"/>
               <a:pPr/>
-              <a:t>2019-12-08</a:t>
+              <a:t>2020-01-05</a:t>
             </a:fld>
             <a:endParaRPr lang="zh-CN" altLang="en-US"/>
           </a:p>
@@ -2589,7 +2590,7 @@
             <a:fld id="{530820CF-B880-4189-942D-D702A7CBA730}" type="datetimeFigureOut">
               <a:rPr lang="zh-CN" altLang="en-US" smtClean="0"/>
               <a:pPr/>
-              <a:t>2019-12-08</a:t>
+              <a:t>2020-01-05</a:t>
             </a:fld>
             <a:endParaRPr lang="zh-CN" altLang="en-US"/>
           </a:p>
@@ -2863,7 +2864,7 @@
             <a:fld id="{530820CF-B880-4189-942D-D702A7CBA730}" type="datetimeFigureOut">
               <a:rPr lang="zh-CN" altLang="en-US" smtClean="0"/>
               <a:pPr/>
-              <a:t>2019-12-08</a:t>
+              <a:t>2020-01-05</a:t>
             </a:fld>
             <a:endParaRPr lang="zh-CN" altLang="en-US"/>
           </a:p>
@@ -3113,7 +3114,7 @@
             <a:fld id="{530820CF-B880-4189-942D-D702A7CBA730}" type="datetimeFigureOut">
               <a:rPr lang="zh-CN" altLang="en-US" smtClean="0"/>
               <a:pPr/>
-              <a:t>2019-12-08</a:t>
+              <a:t>2020-01-05</a:t>
             </a:fld>
             <a:endParaRPr lang="zh-CN" altLang="en-US"/>
           </a:p>
@@ -3323,7 +3324,7 @@
             <a:fld id="{530820CF-B880-4189-942D-D702A7CBA730}" type="datetimeFigureOut">
               <a:rPr lang="zh-CN" altLang="en-US" smtClean="0"/>
               <a:pPr/>
-              <a:t>2019-12-08</a:t>
+              <a:t>2020-01-05</a:t>
             </a:fld>
             <a:endParaRPr lang="zh-CN" altLang="en-US"/>
           </a:p>
@@ -6320,11 +6321,7 @@
             </a:r>
             <a:r>
               <a:rPr lang="zh-CN" altLang="en-US" dirty="0" smtClean="0"/>
-              <a:t>）</a:t>
-            </a:r>
-            <a:r>
-              <a:rPr lang="zh-CN" altLang="en-US" dirty="0" smtClean="0"/>
-              <a:t>风格</a:t>
+              <a:t>）风格</a:t>
             </a:r>
             <a:endParaRPr lang="en-US" altLang="zh-CN" dirty="0" smtClean="0"/>
           </a:p>
@@ -6734,7 +6731,11 @@
             </a:r>
             <a:r>
               <a:rPr lang="en-US" altLang="zh-CN" sz="1600" dirty="0" smtClean="0"/>
-              <a:t>GET /blog/:</a:t>
+              <a:t>GET /</a:t>
+            </a:r>
+            <a:r>
+              <a:rPr lang="en-US" altLang="zh-CN" sz="1600" dirty="0" smtClean="0"/>
+              <a:t>blog/:</a:t>
             </a:r>
             <a:r>
               <a:rPr lang="en-US" altLang="zh-CN" sz="1600" dirty="0" err="1" smtClean="0"/>
@@ -6753,6 +6754,59 @@
 </file>
 
 <file path=ppt/slides/slide26.xml><?xml version="1.0" encoding="utf-8"?>
+<p:sld xmlns:a="http://schemas.openxmlformats.org/drawingml/2006/main" xmlns:r="http://schemas.openxmlformats.org/officeDocument/2006/relationships" xmlns:p="http://schemas.openxmlformats.org/presentationml/2006/main">
+  <p:cSld>
+    <p:spTree>
+      <p:nvGrpSpPr>
+        <p:cNvPr id="1" name=""/>
+        <p:cNvGrpSpPr/>
+        <p:nvPr/>
+      </p:nvGrpSpPr>
+      <p:grpSpPr>
+        <a:xfrm>
+          <a:off x="0" y="0"/>
+          <a:ext cx="0" cy="0"/>
+          <a:chOff x="0" y="0"/>
+          <a:chExt cx="0" cy="0"/>
+        </a:xfrm>
+      </p:grpSpPr>
+      <p:sp>
+        <p:nvSpPr>
+          <p:cNvPr id="2" name="标题 1"/>
+          <p:cNvSpPr>
+            <a:spLocks noGrp="1"/>
+          </p:cNvSpPr>
+          <p:nvPr>
+            <p:ph type="title"/>
+          </p:nvPr>
+        </p:nvSpPr>
+        <p:spPr>
+          <a:xfrm>
+            <a:off x="457200" y="197768"/>
+            <a:ext cx="8229600" cy="1143000"/>
+          </a:xfrm>
+        </p:spPr>
+        <p:txBody>
+          <a:bodyPr/>
+          <a:lstStyle/>
+          <a:p>
+            <a:r>
+              <a:rPr lang="zh-CN" altLang="en-US" dirty="0" smtClean="0"/>
+              <a:t>用户注册与登录</a:t>
+            </a:r>
+            <a:endParaRPr lang="zh-CN" altLang="en-US" dirty="0"/>
+          </a:p>
+        </p:txBody>
+      </p:sp>
+    </p:spTree>
+  </p:cSld>
+  <p:clrMapOvr>
+    <a:masterClrMapping/>
+  </p:clrMapOvr>
+</p:sld>
+</file>
+
+<file path=ppt/slides/slide27.xml><?xml version="1.0" encoding="utf-8"?>
 <p:sld xmlns:a="http://schemas.openxmlformats.org/drawingml/2006/main" xmlns:r="http://schemas.openxmlformats.org/officeDocument/2006/relationships" xmlns:p="http://schemas.openxmlformats.org/presentationml/2006/main">
   <p:cSld>
     <p:spTree>

--- a/readme/python3_Advanced.pptx
+++ b/readme/python3_Advanced.pptx
@@ -5,7 +5,7 @@
     <p:sldMasterId id="2147483648" r:id="rId1"/>
   </p:sldMasterIdLst>
   <p:notesMasterIdLst>
-    <p:notesMasterId r:id="rId29"/>
+    <p:notesMasterId r:id="rId31"/>
   </p:notesMasterIdLst>
   <p:sldIdLst>
     <p:sldId id="258" r:id="rId2"/>
@@ -34,7 +34,9 @@
     <p:sldId id="281" r:id="rId25"/>
     <p:sldId id="282" r:id="rId26"/>
     <p:sldId id="283" r:id="rId27"/>
-    <p:sldId id="260" r:id="rId28"/>
+    <p:sldId id="284" r:id="rId28"/>
+    <p:sldId id="285" r:id="rId29"/>
+    <p:sldId id="260" r:id="rId30"/>
   </p:sldIdLst>
   <p:sldSz cx="9144000" cy="6858000" type="screen4x3"/>
   <p:notesSz cx="6858000" cy="9144000"/>
@@ -219,7 +221,7 @@
             <a:fld id="{FD58268D-331D-419A-93EA-516EB7590CA4}" type="datetimeFigureOut">
               <a:rPr lang="zh-CN" altLang="en-US" smtClean="0"/>
               <a:pPr/>
-              <a:t>2020-01-05</a:t>
+              <a:t>2020-08-16</a:t>
             </a:fld>
             <a:endParaRPr lang="zh-CN" altLang="en-US"/>
           </a:p>
@@ -925,7 +927,7 @@
             <a:fld id="{530820CF-B880-4189-942D-D702A7CBA730}" type="datetimeFigureOut">
               <a:rPr lang="zh-CN" altLang="en-US" smtClean="0"/>
               <a:pPr/>
-              <a:t>2020-01-05</a:t>
+              <a:t>2020-08-16</a:t>
             </a:fld>
             <a:endParaRPr lang="zh-CN" altLang="en-US"/>
           </a:p>
@@ -1092,7 +1094,7 @@
             <a:fld id="{530820CF-B880-4189-942D-D702A7CBA730}" type="datetimeFigureOut">
               <a:rPr lang="zh-CN" altLang="en-US" smtClean="0"/>
               <a:pPr/>
-              <a:t>2020-01-05</a:t>
+              <a:t>2020-08-16</a:t>
             </a:fld>
             <a:endParaRPr lang="zh-CN" altLang="en-US"/>
           </a:p>
@@ -1269,7 +1271,7 @@
             <a:fld id="{530820CF-B880-4189-942D-D702A7CBA730}" type="datetimeFigureOut">
               <a:rPr lang="zh-CN" altLang="en-US" smtClean="0"/>
               <a:pPr/>
-              <a:t>2020-01-05</a:t>
+              <a:t>2020-08-16</a:t>
             </a:fld>
             <a:endParaRPr lang="zh-CN" altLang="en-US"/>
           </a:p>
@@ -1436,7 +1438,7 @@
             <a:fld id="{530820CF-B880-4189-942D-D702A7CBA730}" type="datetimeFigureOut">
               <a:rPr lang="zh-CN" altLang="en-US" smtClean="0"/>
               <a:pPr/>
-              <a:t>2020-01-05</a:t>
+              <a:t>2020-08-16</a:t>
             </a:fld>
             <a:endParaRPr lang="zh-CN" altLang="en-US"/>
           </a:p>
@@ -1679,7 +1681,7 @@
             <a:fld id="{530820CF-B880-4189-942D-D702A7CBA730}" type="datetimeFigureOut">
               <a:rPr lang="zh-CN" altLang="en-US" smtClean="0"/>
               <a:pPr/>
-              <a:t>2020-01-05</a:t>
+              <a:t>2020-08-16</a:t>
             </a:fld>
             <a:endParaRPr lang="zh-CN" altLang="en-US"/>
           </a:p>
@@ -1964,7 +1966,7 @@
             <a:fld id="{530820CF-B880-4189-942D-D702A7CBA730}" type="datetimeFigureOut">
               <a:rPr lang="zh-CN" altLang="en-US" smtClean="0"/>
               <a:pPr/>
-              <a:t>2020-01-05</a:t>
+              <a:t>2020-08-16</a:t>
             </a:fld>
             <a:endParaRPr lang="zh-CN" altLang="en-US"/>
           </a:p>
@@ -2383,7 +2385,7 @@
             <a:fld id="{530820CF-B880-4189-942D-D702A7CBA730}" type="datetimeFigureOut">
               <a:rPr lang="zh-CN" altLang="en-US" smtClean="0"/>
               <a:pPr/>
-              <a:t>2020-01-05</a:t>
+              <a:t>2020-08-16</a:t>
             </a:fld>
             <a:endParaRPr lang="zh-CN" altLang="en-US"/>
           </a:p>
@@ -2498,7 +2500,7 @@
             <a:fld id="{530820CF-B880-4189-942D-D702A7CBA730}" type="datetimeFigureOut">
               <a:rPr lang="zh-CN" altLang="en-US" smtClean="0"/>
               <a:pPr/>
-              <a:t>2020-01-05</a:t>
+              <a:t>2020-08-16</a:t>
             </a:fld>
             <a:endParaRPr lang="zh-CN" altLang="en-US"/>
           </a:p>
@@ -2590,7 +2592,7 @@
             <a:fld id="{530820CF-B880-4189-942D-D702A7CBA730}" type="datetimeFigureOut">
               <a:rPr lang="zh-CN" altLang="en-US" smtClean="0"/>
               <a:pPr/>
-              <a:t>2020-01-05</a:t>
+              <a:t>2020-08-16</a:t>
             </a:fld>
             <a:endParaRPr lang="zh-CN" altLang="en-US"/>
           </a:p>
@@ -2864,7 +2866,7 @@
             <a:fld id="{530820CF-B880-4189-942D-D702A7CBA730}" type="datetimeFigureOut">
               <a:rPr lang="zh-CN" altLang="en-US" smtClean="0"/>
               <a:pPr/>
-              <a:t>2020-01-05</a:t>
+              <a:t>2020-08-16</a:t>
             </a:fld>
             <a:endParaRPr lang="zh-CN" altLang="en-US"/>
           </a:p>
@@ -3114,7 +3116,7 @@
             <a:fld id="{530820CF-B880-4189-942D-D702A7CBA730}" type="datetimeFigureOut">
               <a:rPr lang="zh-CN" altLang="en-US" smtClean="0"/>
               <a:pPr/>
-              <a:t>2020-01-05</a:t>
+              <a:t>2020-08-16</a:t>
             </a:fld>
             <a:endParaRPr lang="zh-CN" altLang="en-US"/>
           </a:p>
@@ -3324,7 +3326,7 @@
             <a:fld id="{530820CF-B880-4189-942D-D702A7CBA730}" type="datetimeFigureOut">
               <a:rPr lang="zh-CN" altLang="en-US" smtClean="0"/>
               <a:pPr/>
-              <a:t>2020-01-05</a:t>
+              <a:t>2020-08-16</a:t>
             </a:fld>
             <a:endParaRPr lang="zh-CN" altLang="en-US"/>
           </a:p>
@@ -6731,11 +6733,7 @@
             </a:r>
             <a:r>
               <a:rPr lang="en-US" altLang="zh-CN" sz="1600" dirty="0" smtClean="0"/>
-              <a:t>GET /</a:t>
-            </a:r>
-            <a:r>
-              <a:rPr lang="en-US" altLang="zh-CN" sz="1600" dirty="0" smtClean="0"/>
-              <a:t>blog/:</a:t>
+              <a:t>GET /blog/:</a:t>
             </a:r>
             <a:r>
               <a:rPr lang="en-US" altLang="zh-CN" sz="1600" dirty="0" err="1" smtClean="0"/>
@@ -6792,9 +6790,218 @@
           <a:p>
             <a:r>
               <a:rPr lang="zh-CN" altLang="en-US" dirty="0" smtClean="0"/>
-              <a:t>用户注册与登录</a:t>
+              <a:t>用户注册</a:t>
             </a:r>
             <a:endParaRPr lang="zh-CN" altLang="en-US" dirty="0"/>
+          </a:p>
+        </p:txBody>
+      </p:sp>
+      <p:sp>
+        <p:nvSpPr>
+          <p:cNvPr id="3" name="矩形 2"/>
+          <p:cNvSpPr/>
+          <p:nvPr/>
+        </p:nvSpPr>
+        <p:spPr>
+          <a:xfrm>
+            <a:off x="395536" y="1268760"/>
+            <a:ext cx="8352928" cy="5509200"/>
+          </a:xfrm>
+          <a:prstGeom prst="rect">
+            <a:avLst/>
+          </a:prstGeom>
+        </p:spPr>
+        <p:txBody>
+          <a:bodyPr wrap="square">
+            <a:spAutoFit/>
+          </a:bodyPr>
+          <a:lstStyle/>
+          <a:p>
+            <a:r>
+              <a:rPr lang="en-US" altLang="zh-CN" sz="3200" dirty="0" smtClean="0"/>
+              <a:t>1</a:t>
+            </a:r>
+            <a:r>
+              <a:rPr lang="zh-CN" altLang="en-US" sz="3200" dirty="0" smtClean="0"/>
+              <a:t>、输入：用户名，密码，密码确认</a:t>
+            </a:r>
+          </a:p>
+          <a:p>
+            <a:r>
+              <a:rPr lang="en-US" altLang="zh-CN" sz="3200" dirty="0" smtClean="0"/>
+              <a:t>2</a:t>
+            </a:r>
+            <a:r>
+              <a:rPr lang="zh-CN" altLang="en-US" sz="3200" dirty="0" smtClean="0"/>
+              <a:t>、限制</a:t>
+            </a:r>
+            <a:endParaRPr lang="en-US" altLang="zh-CN" sz="3200" dirty="0" smtClean="0"/>
+          </a:p>
+          <a:p>
+            <a:r>
+              <a:rPr lang="en-US" altLang="zh-CN" sz="3200" dirty="0" smtClean="0"/>
+              <a:t>	</a:t>
+            </a:r>
+            <a:r>
+              <a:rPr lang="zh-CN" altLang="en-US" sz="3200" dirty="0" smtClean="0"/>
+              <a:t>限制</a:t>
+            </a:r>
+            <a:r>
+              <a:rPr lang="en-US" altLang="zh-CN" sz="3200" dirty="0" smtClean="0"/>
+              <a:t>1</a:t>
+            </a:r>
+            <a:r>
+              <a:rPr lang="zh-CN" altLang="en-US" sz="3200" dirty="0" smtClean="0"/>
+              <a:t>：输入的账号和密码不能为空</a:t>
+            </a:r>
+          </a:p>
+          <a:p>
+            <a:r>
+              <a:rPr lang="en-US" altLang="zh-CN" sz="3200" dirty="0" smtClean="0"/>
+              <a:t>	</a:t>
+            </a:r>
+            <a:r>
+              <a:rPr lang="zh-CN" altLang="en-US" sz="3200" dirty="0" smtClean="0"/>
+              <a:t>限制</a:t>
+            </a:r>
+            <a:r>
+              <a:rPr lang="en-US" altLang="zh-CN" sz="3200" dirty="0" smtClean="0"/>
+              <a:t>2</a:t>
+            </a:r>
+            <a:r>
+              <a:rPr lang="zh-CN" altLang="en-US" sz="3200" dirty="0" smtClean="0"/>
+              <a:t>：两次输入密码必须一致</a:t>
+            </a:r>
+          </a:p>
+          <a:p>
+            <a:r>
+              <a:rPr lang="en-US" altLang="zh-CN" sz="3200" dirty="0" smtClean="0"/>
+              <a:t>	</a:t>
+            </a:r>
+            <a:r>
+              <a:rPr lang="zh-CN" altLang="en-US" sz="3200" dirty="0" smtClean="0"/>
+              <a:t>限制</a:t>
+            </a:r>
+            <a:r>
+              <a:rPr lang="en-US" altLang="zh-CN" sz="3200" dirty="0" smtClean="0"/>
+              <a:t>3</a:t>
+            </a:r>
+            <a:r>
+              <a:rPr lang="zh-CN" altLang="en-US" sz="3200" dirty="0" smtClean="0"/>
+              <a:t>：用户名不能重复</a:t>
+            </a:r>
+          </a:p>
+          <a:p>
+            <a:r>
+              <a:rPr lang="en-US" altLang="zh-CN" sz="3200" dirty="0" smtClean="0"/>
+              <a:t>	</a:t>
+            </a:r>
+            <a:r>
+              <a:rPr lang="zh-CN" altLang="en-US" sz="3200" dirty="0" smtClean="0"/>
+              <a:t>限制</a:t>
+            </a:r>
+            <a:r>
+              <a:rPr lang="en-US" altLang="zh-CN" sz="3200" dirty="0" smtClean="0"/>
+              <a:t>4</a:t>
+            </a:r>
+            <a:r>
+              <a:rPr lang="zh-CN" altLang="en-US" sz="3200" dirty="0" smtClean="0"/>
+              <a:t>：错误次数为</a:t>
+            </a:r>
+            <a:r>
+              <a:rPr lang="en-US" altLang="zh-CN" sz="3200" dirty="0" smtClean="0"/>
+              <a:t>4</a:t>
+            </a:r>
+            <a:r>
+              <a:rPr lang="zh-CN" altLang="en-US" sz="3200" dirty="0" smtClean="0"/>
+              <a:t>次</a:t>
+            </a:r>
+          </a:p>
+          <a:p>
+            <a:r>
+              <a:rPr lang="en-US" altLang="zh-CN" sz="3200" dirty="0" smtClean="0"/>
+              <a:t>3</a:t>
+            </a:r>
+            <a:r>
+              <a:rPr lang="zh-CN" altLang="en-US" sz="3200" dirty="0" smtClean="0"/>
+              <a:t>、保存</a:t>
+            </a:r>
+            <a:endParaRPr lang="en-US" altLang="zh-CN" sz="3200" dirty="0" smtClean="0"/>
+          </a:p>
+          <a:p>
+            <a:r>
+              <a:rPr lang="zh-CN" altLang="en-US" sz="3200" dirty="0" smtClean="0"/>
+              <a:t>用字典保存，格式如下；其中，只需要输入</a:t>
+            </a:r>
+            <a:r>
+              <a:rPr lang="en-US" altLang="zh-CN" sz="3200" dirty="0" smtClean="0"/>
+              <a:t>username</a:t>
+            </a:r>
+            <a:r>
+              <a:rPr lang="zh-CN" altLang="en-US" sz="3200" dirty="0" smtClean="0"/>
+              <a:t>和</a:t>
+            </a:r>
+            <a:r>
+              <a:rPr lang="en-US" altLang="zh-CN" sz="3200" dirty="0" err="1" smtClean="0"/>
+              <a:t>passwd</a:t>
+            </a:r>
+            <a:r>
+              <a:rPr lang="zh-CN" altLang="en-US" sz="3200" dirty="0" smtClean="0"/>
+              <a:t>，新注册用户</a:t>
+            </a:r>
+            <a:r>
+              <a:rPr lang="en-US" altLang="zh-CN" sz="3200" dirty="0" smtClean="0"/>
+              <a:t>role</a:t>
+            </a:r>
+            <a:r>
+              <a:rPr lang="zh-CN" altLang="en-US" sz="3200" dirty="0" smtClean="0"/>
+              <a:t>默认都为</a:t>
+            </a:r>
+            <a:r>
+              <a:rPr lang="en-US" altLang="zh-CN" sz="3200" dirty="0" smtClean="0"/>
+              <a:t>1{  '</a:t>
+            </a:r>
+            <a:r>
+              <a:rPr lang="zh-CN" altLang="en-US" sz="3200" dirty="0" smtClean="0"/>
+              <a:t>张三</a:t>
+            </a:r>
+            <a:r>
+              <a:rPr lang="en-US" altLang="zh-CN" sz="3200" dirty="0" smtClean="0"/>
+              <a:t>': {'</a:t>
+            </a:r>
+            <a:r>
+              <a:rPr lang="en-US" altLang="zh-CN" sz="3200" dirty="0" err="1" smtClean="0"/>
+              <a:t>passwd</a:t>
+            </a:r>
+            <a:r>
+              <a:rPr lang="en-US" altLang="zh-CN" sz="3200" dirty="0" smtClean="0"/>
+              <a:t>': '123', 'role': '1'}, '</a:t>
+            </a:r>
+            <a:r>
+              <a:rPr lang="zh-CN" altLang="en-US" sz="3200" dirty="0" smtClean="0"/>
+              <a:t>李四</a:t>
+            </a:r>
+            <a:r>
+              <a:rPr lang="en-US" altLang="zh-CN" sz="3200" dirty="0" smtClean="0"/>
+              <a:t>': {'</a:t>
+            </a:r>
+            <a:r>
+              <a:rPr lang="en-US" altLang="zh-CN" sz="3200" dirty="0" err="1" smtClean="0"/>
+              <a:t>passwd</a:t>
+            </a:r>
+            <a:r>
+              <a:rPr lang="en-US" altLang="zh-CN" sz="3200" dirty="0" smtClean="0"/>
+              <a:t>': '</a:t>
+            </a:r>
+            <a:r>
+              <a:rPr lang="en-US" altLang="zh-CN" sz="3200" dirty="0" err="1" smtClean="0"/>
+              <a:t>abc</a:t>
+            </a:r>
+            <a:r>
+              <a:rPr lang="en-US" altLang="zh-CN" sz="3200" dirty="0" smtClean="0"/>
+              <a:t>', 'role': '2'}  }</a:t>
+            </a:r>
+            <a:endParaRPr lang="en-US" altLang="zh-CN" sz="3200" dirty="0"/>
           </a:p>
         </p:txBody>
       </p:sp>
@@ -6830,6 +7037,642 @@
             <a:spLocks noGrp="1"/>
           </p:cNvSpPr>
           <p:nvPr>
+            <p:ph type="title"/>
+          </p:nvPr>
+        </p:nvSpPr>
+        <p:spPr>
+          <a:xfrm>
+            <a:off x="457200" y="197768"/>
+            <a:ext cx="8229600" cy="1143000"/>
+          </a:xfrm>
+        </p:spPr>
+        <p:txBody>
+          <a:bodyPr/>
+          <a:lstStyle/>
+          <a:p>
+            <a:r>
+              <a:rPr lang="zh-CN" altLang="en-US" dirty="0" smtClean="0"/>
+              <a:t>用户登录</a:t>
+            </a:r>
+            <a:endParaRPr lang="zh-CN" altLang="en-US" dirty="0"/>
+          </a:p>
+        </p:txBody>
+      </p:sp>
+      <p:sp>
+        <p:nvSpPr>
+          <p:cNvPr id="3" name="矩形 2"/>
+          <p:cNvSpPr/>
+          <p:nvPr/>
+        </p:nvSpPr>
+        <p:spPr>
+          <a:xfrm>
+            <a:off x="395536" y="1268760"/>
+            <a:ext cx="8352928" cy="4524315"/>
+          </a:xfrm>
+          <a:prstGeom prst="rect">
+            <a:avLst/>
+          </a:prstGeom>
+        </p:spPr>
+        <p:txBody>
+          <a:bodyPr wrap="square">
+            <a:spAutoFit/>
+          </a:bodyPr>
+          <a:lstStyle/>
+          <a:p>
+            <a:r>
+              <a:rPr lang="en-US" altLang="zh-CN" sz="3200" dirty="0" smtClean="0"/>
+              <a:t>1</a:t>
+            </a:r>
+            <a:r>
+              <a:rPr lang="zh-CN" altLang="en-US" sz="3200" dirty="0" smtClean="0"/>
+              <a:t>、输入：用户名，密码，密码确认</a:t>
+            </a:r>
+          </a:p>
+          <a:p>
+            <a:r>
+              <a:rPr lang="en-US" altLang="zh-CN" sz="3200" dirty="0" smtClean="0"/>
+              <a:t>2</a:t>
+            </a:r>
+            <a:r>
+              <a:rPr lang="zh-CN" altLang="en-US" sz="3200" dirty="0" smtClean="0"/>
+              <a:t>、限制</a:t>
+            </a:r>
+            <a:endParaRPr lang="en-US" altLang="zh-CN" sz="3200" dirty="0" smtClean="0"/>
+          </a:p>
+          <a:p>
+            <a:r>
+              <a:rPr lang="en-US" altLang="zh-CN" sz="3200" dirty="0" smtClean="0"/>
+              <a:t>	1</a:t>
+            </a:r>
+            <a:r>
+              <a:rPr lang="zh-CN" altLang="en-US" sz="3200" dirty="0" smtClean="0"/>
+              <a:t>：输入的账号和密码不能为空</a:t>
+            </a:r>
+          </a:p>
+          <a:p>
+            <a:r>
+              <a:rPr lang="en-US" altLang="zh-CN" sz="3200" dirty="0" smtClean="0"/>
+              <a:t>	2</a:t>
+            </a:r>
+            <a:r>
+              <a:rPr lang="zh-CN" altLang="en-US" sz="3200" dirty="0" smtClean="0"/>
+              <a:t>：用户名存在</a:t>
+            </a:r>
+          </a:p>
+          <a:p>
+            <a:r>
+              <a:rPr lang="en-US" altLang="zh-CN" sz="3200" dirty="0" smtClean="0"/>
+              <a:t>	3</a:t>
+            </a:r>
+            <a:r>
+              <a:rPr lang="zh-CN" altLang="en-US" sz="3200" dirty="0" smtClean="0"/>
+              <a:t>：密码错误次数为</a:t>
+            </a:r>
+            <a:r>
+              <a:rPr lang="en-US" altLang="zh-CN" sz="3200" dirty="0" smtClean="0"/>
+              <a:t>4</a:t>
+            </a:r>
+            <a:r>
+              <a:rPr lang="zh-CN" altLang="en-US" sz="3200" dirty="0" smtClean="0"/>
+              <a:t>次</a:t>
+            </a:r>
+          </a:p>
+          <a:p>
+            <a:r>
+              <a:rPr lang="en-US" altLang="zh-CN" sz="3200" dirty="0" smtClean="0"/>
+              <a:t>3</a:t>
+            </a:r>
+            <a:r>
+              <a:rPr lang="zh-CN" altLang="en-US" sz="3200" dirty="0" smtClean="0"/>
+              <a:t>、从用字典取数据，格式如下；其中，只需要输入</a:t>
+            </a:r>
+            <a:r>
+              <a:rPr lang="en-US" altLang="zh-CN" sz="3200" dirty="0" smtClean="0"/>
+              <a:t>username</a:t>
+            </a:r>
+            <a:r>
+              <a:rPr lang="zh-CN" altLang="en-US" sz="3200" dirty="0" smtClean="0"/>
+              <a:t>和</a:t>
+            </a:r>
+            <a:r>
+              <a:rPr lang="en-US" altLang="zh-CN" sz="3200" dirty="0" err="1" smtClean="0"/>
+              <a:t>passwd</a:t>
+            </a:r>
+            <a:r>
+              <a:rPr lang="zh-CN" altLang="en-US" sz="3200" dirty="0" smtClean="0"/>
+              <a:t>，</a:t>
+            </a:r>
+            <a:endParaRPr lang="en-US" altLang="zh-CN" sz="3200" dirty="0" smtClean="0"/>
+          </a:p>
+          <a:p>
+            <a:r>
+              <a:rPr lang="en-US" altLang="zh-CN" sz="3200" dirty="0" smtClean="0"/>
+              <a:t>{  '</a:t>
+            </a:r>
+            <a:r>
+              <a:rPr lang="zh-CN" altLang="en-US" sz="3200" dirty="0" smtClean="0"/>
+              <a:t>张三</a:t>
+            </a:r>
+            <a:r>
+              <a:rPr lang="en-US" altLang="zh-CN" sz="3200" dirty="0" smtClean="0"/>
+              <a:t>': {'</a:t>
+            </a:r>
+            <a:r>
+              <a:rPr lang="en-US" altLang="zh-CN" sz="3200" dirty="0" err="1" smtClean="0"/>
+              <a:t>passwd</a:t>
+            </a:r>
+            <a:r>
+              <a:rPr lang="en-US" altLang="zh-CN" sz="3200" dirty="0" smtClean="0"/>
+              <a:t>': '123', 'role': '1'}, '</a:t>
+            </a:r>
+            <a:r>
+              <a:rPr lang="zh-CN" altLang="en-US" sz="3200" dirty="0" smtClean="0"/>
+              <a:t>李四</a:t>
+            </a:r>
+            <a:r>
+              <a:rPr lang="en-US" altLang="zh-CN" sz="3200" dirty="0" smtClean="0"/>
+              <a:t>': {'</a:t>
+            </a:r>
+            <a:r>
+              <a:rPr lang="en-US" altLang="zh-CN" sz="3200" dirty="0" err="1" smtClean="0"/>
+              <a:t>passwd</a:t>
+            </a:r>
+            <a:r>
+              <a:rPr lang="en-US" altLang="zh-CN" sz="3200" dirty="0" smtClean="0"/>
+              <a:t>': '</a:t>
+            </a:r>
+            <a:r>
+              <a:rPr lang="en-US" altLang="zh-CN" sz="3200" dirty="0" err="1" smtClean="0"/>
+              <a:t>abc</a:t>
+            </a:r>
+            <a:r>
+              <a:rPr lang="en-US" altLang="zh-CN" sz="3200" dirty="0" smtClean="0"/>
+              <a:t>', 'role': '2'}  }</a:t>
+            </a:r>
+            <a:endParaRPr lang="en-US" altLang="zh-CN" sz="3200" dirty="0"/>
+          </a:p>
+        </p:txBody>
+      </p:sp>
+    </p:spTree>
+  </p:cSld>
+  <p:clrMapOvr>
+    <a:masterClrMapping/>
+  </p:clrMapOvr>
+</p:sld>
+</file>
+
+<file path=ppt/slides/slide28.xml><?xml version="1.0" encoding="utf-8"?>
+<p:sld xmlns:a="http://schemas.openxmlformats.org/drawingml/2006/main" xmlns:r="http://schemas.openxmlformats.org/officeDocument/2006/relationships" xmlns:p="http://schemas.openxmlformats.org/presentationml/2006/main">
+  <p:cSld>
+    <p:spTree>
+      <p:nvGrpSpPr>
+        <p:cNvPr id="1" name=""/>
+        <p:cNvGrpSpPr/>
+        <p:nvPr/>
+      </p:nvGrpSpPr>
+      <p:grpSpPr>
+        <a:xfrm>
+          <a:off x="0" y="0"/>
+          <a:ext cx="0" cy="0"/>
+          <a:chOff x="0" y="0"/>
+          <a:chExt cx="0" cy="0"/>
+        </a:xfrm>
+      </p:grpSpPr>
+      <p:sp>
+        <p:nvSpPr>
+          <p:cNvPr id="2" name="标题 1"/>
+          <p:cNvSpPr>
+            <a:spLocks noGrp="1"/>
+          </p:cNvSpPr>
+          <p:nvPr>
+            <p:ph type="title"/>
+          </p:nvPr>
+        </p:nvSpPr>
+        <p:spPr/>
+        <p:txBody>
+          <a:bodyPr/>
+          <a:lstStyle/>
+          <a:p>
+            <a:r>
+              <a:rPr lang="zh-CN" altLang="en-US" dirty="0" smtClean="0"/>
+              <a:t>评论</a:t>
+            </a:r>
+            <a:endParaRPr lang="zh-CN" altLang="en-US" dirty="0"/>
+          </a:p>
+        </p:txBody>
+      </p:sp>
+      <p:sp>
+        <p:nvSpPr>
+          <p:cNvPr id="4" name="矩形 3"/>
+          <p:cNvSpPr/>
+          <p:nvPr/>
+        </p:nvSpPr>
+        <p:spPr>
+          <a:xfrm>
+            <a:off x="395536" y="1196752"/>
+            <a:ext cx="8496944" cy="2831544"/>
+          </a:xfrm>
+          <a:prstGeom prst="rect">
+            <a:avLst/>
+          </a:prstGeom>
+        </p:spPr>
+        <p:txBody>
+          <a:bodyPr wrap="square">
+            <a:spAutoFit/>
+          </a:bodyPr>
+          <a:lstStyle/>
+          <a:p>
+            <a:r>
+              <a:rPr lang="zh-CN" altLang="en-US" sz="2400" dirty="0" smtClean="0">
+                <a:latin typeface="+mn-ea"/>
+              </a:rPr>
+              <a:t>评论的表结构：</a:t>
+            </a:r>
+            <a:endParaRPr lang="en-US" altLang="zh-CN" sz="2400" dirty="0" smtClean="0">
+              <a:latin typeface="+mn-ea"/>
+            </a:endParaRPr>
+          </a:p>
+          <a:p>
+            <a:r>
+              <a:rPr lang="en-US" altLang="zh-CN" sz="1400" dirty="0" smtClean="0">
+                <a:latin typeface="+mn-ea"/>
+              </a:rPr>
+              <a:t>create table comments (</a:t>
+            </a:r>
+          </a:p>
+          <a:p>
+            <a:r>
+              <a:rPr lang="en-US" altLang="zh-CN" sz="1400" dirty="0" smtClean="0">
+                <a:latin typeface="+mn-ea"/>
+              </a:rPr>
+              <a:t>    `id` </a:t>
+            </a:r>
+            <a:r>
+              <a:rPr lang="en-US" altLang="zh-CN" sz="1400" dirty="0" err="1" smtClean="0">
+                <a:latin typeface="+mn-ea"/>
+              </a:rPr>
+              <a:t>varchar</a:t>
+            </a:r>
+            <a:r>
+              <a:rPr lang="en-US" altLang="zh-CN" sz="1400" dirty="0" smtClean="0">
+                <a:latin typeface="+mn-ea"/>
+              </a:rPr>
+              <a:t>(50) not null,</a:t>
+            </a:r>
+          </a:p>
+          <a:p>
+            <a:r>
+              <a:rPr lang="en-US" altLang="zh-CN" sz="1400" dirty="0" smtClean="0">
+                <a:latin typeface="+mn-ea"/>
+              </a:rPr>
+              <a:t>    `</a:t>
+            </a:r>
+            <a:r>
+              <a:rPr lang="en-US" altLang="zh-CN" sz="1400" dirty="0" err="1" smtClean="0">
+                <a:latin typeface="+mn-ea"/>
+              </a:rPr>
+              <a:t>blog_id</a:t>
+            </a:r>
+            <a:r>
+              <a:rPr lang="en-US" altLang="zh-CN" sz="1400" dirty="0" smtClean="0">
+                <a:latin typeface="+mn-ea"/>
+              </a:rPr>
+              <a:t>` </a:t>
+            </a:r>
+            <a:r>
+              <a:rPr lang="en-US" altLang="zh-CN" sz="1400" dirty="0" err="1" smtClean="0">
+                <a:latin typeface="+mn-ea"/>
+              </a:rPr>
+              <a:t>varchar</a:t>
+            </a:r>
+            <a:r>
+              <a:rPr lang="en-US" altLang="zh-CN" sz="1400" dirty="0" smtClean="0">
+                <a:latin typeface="+mn-ea"/>
+              </a:rPr>
+              <a:t>(50) not null,</a:t>
+            </a:r>
+          </a:p>
+          <a:p>
+            <a:r>
+              <a:rPr lang="en-US" altLang="zh-CN" sz="1400" dirty="0" smtClean="0">
+                <a:latin typeface="+mn-ea"/>
+              </a:rPr>
+              <a:t>    `</a:t>
+            </a:r>
+            <a:r>
+              <a:rPr lang="en-US" altLang="zh-CN" sz="1400" dirty="0" err="1" smtClean="0">
+                <a:latin typeface="+mn-ea"/>
+              </a:rPr>
+              <a:t>user_id</a:t>
+            </a:r>
+            <a:r>
+              <a:rPr lang="en-US" altLang="zh-CN" sz="1400" dirty="0" smtClean="0">
+                <a:latin typeface="+mn-ea"/>
+              </a:rPr>
+              <a:t>` </a:t>
+            </a:r>
+            <a:r>
+              <a:rPr lang="en-US" altLang="zh-CN" sz="1400" dirty="0" err="1" smtClean="0">
+                <a:latin typeface="+mn-ea"/>
+              </a:rPr>
+              <a:t>varchar</a:t>
+            </a:r>
+            <a:r>
+              <a:rPr lang="en-US" altLang="zh-CN" sz="1400" dirty="0" smtClean="0">
+                <a:latin typeface="+mn-ea"/>
+              </a:rPr>
+              <a:t>(50) not null,</a:t>
+            </a:r>
+          </a:p>
+          <a:p>
+            <a:r>
+              <a:rPr lang="en-US" altLang="zh-CN" sz="1400" dirty="0" smtClean="0">
+                <a:latin typeface="+mn-ea"/>
+              </a:rPr>
+              <a:t>    `</a:t>
+            </a:r>
+            <a:r>
+              <a:rPr lang="en-US" altLang="zh-CN" sz="1400" dirty="0" err="1" smtClean="0">
+                <a:latin typeface="+mn-ea"/>
+              </a:rPr>
+              <a:t>user_name</a:t>
+            </a:r>
+            <a:r>
+              <a:rPr lang="en-US" altLang="zh-CN" sz="1400" dirty="0" smtClean="0">
+                <a:latin typeface="+mn-ea"/>
+              </a:rPr>
+              <a:t>` </a:t>
+            </a:r>
+            <a:r>
+              <a:rPr lang="en-US" altLang="zh-CN" sz="1400" dirty="0" err="1" smtClean="0">
+                <a:latin typeface="+mn-ea"/>
+              </a:rPr>
+              <a:t>varchar</a:t>
+            </a:r>
+            <a:r>
+              <a:rPr lang="en-US" altLang="zh-CN" sz="1400" dirty="0" smtClean="0">
+                <a:latin typeface="+mn-ea"/>
+              </a:rPr>
+              <a:t>(50) not null,</a:t>
+            </a:r>
+          </a:p>
+          <a:p>
+            <a:r>
+              <a:rPr lang="en-US" altLang="zh-CN" sz="1400" dirty="0" smtClean="0">
+                <a:latin typeface="+mn-ea"/>
+              </a:rPr>
+              <a:t>    `</a:t>
+            </a:r>
+            <a:r>
+              <a:rPr lang="en-US" altLang="zh-CN" sz="1400" dirty="0" err="1" smtClean="0">
+                <a:latin typeface="+mn-ea"/>
+              </a:rPr>
+              <a:t>user_image</a:t>
+            </a:r>
+            <a:r>
+              <a:rPr lang="en-US" altLang="zh-CN" sz="1400" dirty="0" smtClean="0">
+                <a:latin typeface="+mn-ea"/>
+              </a:rPr>
+              <a:t>` </a:t>
+            </a:r>
+            <a:r>
+              <a:rPr lang="en-US" altLang="zh-CN" sz="1400" dirty="0" err="1" smtClean="0">
+                <a:latin typeface="+mn-ea"/>
+              </a:rPr>
+              <a:t>varchar</a:t>
+            </a:r>
+            <a:r>
+              <a:rPr lang="en-US" altLang="zh-CN" sz="1400" dirty="0" smtClean="0">
+                <a:latin typeface="+mn-ea"/>
+              </a:rPr>
+              <a:t>(500) not null,</a:t>
+            </a:r>
+          </a:p>
+          <a:p>
+            <a:r>
+              <a:rPr lang="en-US" altLang="zh-CN" sz="1400" dirty="0" smtClean="0">
+                <a:latin typeface="+mn-ea"/>
+              </a:rPr>
+              <a:t>    `content` </a:t>
+            </a:r>
+            <a:r>
+              <a:rPr lang="en-US" altLang="zh-CN" sz="1400" dirty="0" err="1" smtClean="0">
+                <a:latin typeface="+mn-ea"/>
+              </a:rPr>
+              <a:t>mediumtext</a:t>
+            </a:r>
+            <a:r>
+              <a:rPr lang="en-US" altLang="zh-CN" sz="1400" dirty="0" smtClean="0">
+                <a:latin typeface="+mn-ea"/>
+              </a:rPr>
+              <a:t> not null,</a:t>
+            </a:r>
+          </a:p>
+          <a:p>
+            <a:r>
+              <a:rPr lang="en-US" altLang="zh-CN" sz="1400" dirty="0" smtClean="0">
+                <a:latin typeface="+mn-ea"/>
+              </a:rPr>
+              <a:t>    `</a:t>
+            </a:r>
+            <a:r>
+              <a:rPr lang="en-US" altLang="zh-CN" sz="1400" dirty="0" err="1" smtClean="0">
+                <a:latin typeface="+mn-ea"/>
+              </a:rPr>
+              <a:t>created_at</a:t>
+            </a:r>
+            <a:r>
+              <a:rPr lang="en-US" altLang="zh-CN" sz="1400" dirty="0" smtClean="0">
+                <a:latin typeface="+mn-ea"/>
+              </a:rPr>
+              <a:t>` real not null,</a:t>
+            </a:r>
+          </a:p>
+          <a:p>
+            <a:r>
+              <a:rPr lang="en-US" altLang="zh-CN" sz="1400" dirty="0" smtClean="0">
+                <a:latin typeface="+mn-ea"/>
+              </a:rPr>
+              <a:t>    key `</a:t>
+            </a:r>
+            <a:r>
+              <a:rPr lang="en-US" altLang="zh-CN" sz="1400" dirty="0" err="1" smtClean="0">
+                <a:latin typeface="+mn-ea"/>
+              </a:rPr>
+              <a:t>idx_created_at</a:t>
+            </a:r>
+            <a:r>
+              <a:rPr lang="en-US" altLang="zh-CN" sz="1400" dirty="0" smtClean="0">
+                <a:latin typeface="+mn-ea"/>
+              </a:rPr>
+              <a:t>` (`</a:t>
+            </a:r>
+            <a:r>
+              <a:rPr lang="en-US" altLang="zh-CN" sz="1400" dirty="0" err="1" smtClean="0">
+                <a:latin typeface="+mn-ea"/>
+              </a:rPr>
+              <a:t>created_at</a:t>
+            </a:r>
+            <a:r>
+              <a:rPr lang="en-US" altLang="zh-CN" sz="1400" dirty="0" smtClean="0">
+                <a:latin typeface="+mn-ea"/>
+              </a:rPr>
+              <a:t>`),</a:t>
+            </a:r>
+          </a:p>
+          <a:p>
+            <a:r>
+              <a:rPr lang="en-US" altLang="zh-CN" sz="1400" dirty="0" smtClean="0">
+                <a:latin typeface="+mn-ea"/>
+              </a:rPr>
+              <a:t>    primary key (`id`)</a:t>
+            </a:r>
+          </a:p>
+          <a:p>
+            <a:r>
+              <a:rPr lang="en-US" altLang="zh-CN" sz="1400" dirty="0" smtClean="0">
+                <a:latin typeface="+mn-ea"/>
+              </a:rPr>
+              <a:t>) engine=</a:t>
+            </a:r>
+            <a:r>
+              <a:rPr lang="en-US" altLang="zh-CN" sz="1400" dirty="0" err="1" smtClean="0">
+                <a:latin typeface="+mn-ea"/>
+              </a:rPr>
+              <a:t>innodb</a:t>
+            </a:r>
+            <a:r>
+              <a:rPr lang="en-US" altLang="zh-CN" sz="1400" dirty="0" smtClean="0">
+                <a:latin typeface="+mn-ea"/>
+              </a:rPr>
+              <a:t> default </a:t>
+            </a:r>
+            <a:r>
+              <a:rPr lang="en-US" altLang="zh-CN" sz="1400" dirty="0" err="1" smtClean="0">
+                <a:latin typeface="+mn-ea"/>
+              </a:rPr>
+              <a:t>charset</a:t>
+            </a:r>
+            <a:r>
+              <a:rPr lang="en-US" altLang="zh-CN" sz="1400" dirty="0" smtClean="0">
+                <a:latin typeface="+mn-ea"/>
+              </a:rPr>
+              <a:t>=utf8</a:t>
+            </a:r>
+            <a:r>
+              <a:rPr lang="en-US" altLang="zh-CN" sz="1400" dirty="0" smtClean="0">
+                <a:latin typeface="+mn-ea"/>
+              </a:rPr>
+              <a:t>;</a:t>
+            </a:r>
+            <a:endParaRPr lang="en-US" altLang="zh-CN" sz="3200" dirty="0">
+              <a:latin typeface="+mn-ea"/>
+            </a:endParaRPr>
+          </a:p>
+        </p:txBody>
+      </p:sp>
+      <p:sp>
+        <p:nvSpPr>
+          <p:cNvPr id="7" name="矩形 6"/>
+          <p:cNvSpPr/>
+          <p:nvPr/>
+        </p:nvSpPr>
+        <p:spPr>
+          <a:xfrm>
+            <a:off x="395536" y="4223990"/>
+            <a:ext cx="8352928" cy="1569660"/>
+          </a:xfrm>
+          <a:prstGeom prst="rect">
+            <a:avLst/>
+          </a:prstGeom>
+        </p:spPr>
+        <p:txBody>
+          <a:bodyPr wrap="square">
+            <a:spAutoFit/>
+          </a:bodyPr>
+          <a:lstStyle/>
+          <a:p>
+            <a:r>
+              <a:rPr lang="zh-CN" altLang="en-US" sz="2400" dirty="0" smtClean="0"/>
+              <a:t>操作：</a:t>
+            </a:r>
+            <a:endParaRPr lang="en-US" altLang="zh-CN" sz="2400" dirty="0" smtClean="0"/>
+          </a:p>
+          <a:p>
+            <a:r>
+              <a:rPr lang="en-US" altLang="zh-CN" sz="2400" dirty="0" smtClean="0"/>
+              <a:t>	1. </a:t>
+            </a:r>
+            <a:r>
+              <a:rPr lang="zh-CN" altLang="en-US" sz="2400" dirty="0" smtClean="0"/>
+              <a:t>增加评论</a:t>
+            </a:r>
+            <a:endParaRPr lang="en-US" altLang="zh-CN" sz="2400" dirty="0" smtClean="0"/>
+          </a:p>
+          <a:p>
+            <a:r>
+              <a:rPr lang="en-US" altLang="zh-CN" sz="2400" dirty="0" smtClean="0"/>
+              <a:t>	</a:t>
+            </a:r>
+            <a:r>
+              <a:rPr lang="en-US" altLang="zh-CN" sz="2400" dirty="0" smtClean="0"/>
+              <a:t>2. </a:t>
+            </a:r>
+            <a:r>
+              <a:rPr lang="zh-CN" altLang="en-US" sz="2400" dirty="0" smtClean="0"/>
+              <a:t>删除评论</a:t>
+            </a:r>
+            <a:endParaRPr lang="en-US" altLang="zh-CN" sz="2400" dirty="0" smtClean="0"/>
+          </a:p>
+          <a:p>
+            <a:r>
+              <a:rPr lang="en-US" altLang="zh-CN" sz="2400" dirty="0" smtClean="0"/>
+              <a:t>	</a:t>
+            </a:r>
+            <a:r>
+              <a:rPr lang="en-US" altLang="zh-CN" sz="2400" dirty="0" smtClean="0"/>
+              <a:t>3. </a:t>
+            </a:r>
+            <a:r>
+              <a:rPr lang="zh-CN" altLang="en-US" sz="2400" dirty="0" smtClean="0"/>
+              <a:t>查询评论</a:t>
+            </a:r>
+            <a:endParaRPr lang="en-US" altLang="zh-CN" sz="2400" dirty="0"/>
+          </a:p>
+        </p:txBody>
+      </p:sp>
+    </p:spTree>
+  </p:cSld>
+  <p:clrMapOvr>
+    <a:masterClrMapping/>
+  </p:clrMapOvr>
+</p:sld>
+</file>
+
+<file path=ppt/slides/slide29.xml><?xml version="1.0" encoding="utf-8"?>
+<p:sld xmlns:a="http://schemas.openxmlformats.org/drawingml/2006/main" xmlns:r="http://schemas.openxmlformats.org/officeDocument/2006/relationships" xmlns:p="http://schemas.openxmlformats.org/presentationml/2006/main">
+  <p:cSld>
+    <p:spTree>
+      <p:nvGrpSpPr>
+        <p:cNvPr id="1" name=""/>
+        <p:cNvGrpSpPr/>
+        <p:nvPr/>
+      </p:nvGrpSpPr>
+      <p:grpSpPr>
+        <a:xfrm>
+          <a:off x="0" y="0"/>
+          <a:ext cx="0" cy="0"/>
+          <a:chOff x="0" y="0"/>
+          <a:chExt cx="0" cy="0"/>
+        </a:xfrm>
+      </p:grpSpPr>
+      <p:sp>
+        <p:nvSpPr>
+          <p:cNvPr id="2" name="标题 1"/>
+          <p:cNvSpPr>
+            <a:spLocks noGrp="1"/>
+          </p:cNvSpPr>
+          <p:nvPr>
             <p:ph type="ctrTitle"/>
           </p:nvPr>
         </p:nvSpPr>
@@ -6844,7 +7687,7 @@
           <a:lstStyle/>
           <a:p>
             <a:r>
-              <a:rPr lang="zh-CN" altLang="en-US" smtClean="0"/>
+              <a:rPr lang="zh-CN" altLang="en-US" dirty="0" smtClean="0"/>
               <a:t>错误、调试和测试</a:t>
             </a:r>
             <a:endParaRPr lang="zh-CN" altLang="en-US" dirty="0"/>

--- a/readme/python3_Advanced.pptx
+++ b/readme/python3_Advanced.pptx
@@ -221,7 +221,7 @@
             <a:fld id="{FD58268D-331D-419A-93EA-516EB7590CA4}" type="datetimeFigureOut">
               <a:rPr lang="zh-CN" altLang="en-US" smtClean="0"/>
               <a:pPr/>
-              <a:t>2020-08-16</a:t>
+              <a:t>2020-08-30</a:t>
             </a:fld>
             <a:endParaRPr lang="zh-CN" altLang="en-US"/>
           </a:p>
@@ -927,7 +927,7 @@
             <a:fld id="{530820CF-B880-4189-942D-D702A7CBA730}" type="datetimeFigureOut">
               <a:rPr lang="zh-CN" altLang="en-US" smtClean="0"/>
               <a:pPr/>
-              <a:t>2020-08-16</a:t>
+              <a:t>2020-08-30</a:t>
             </a:fld>
             <a:endParaRPr lang="zh-CN" altLang="en-US"/>
           </a:p>
@@ -1094,7 +1094,7 @@
             <a:fld id="{530820CF-B880-4189-942D-D702A7CBA730}" type="datetimeFigureOut">
               <a:rPr lang="zh-CN" altLang="en-US" smtClean="0"/>
               <a:pPr/>
-              <a:t>2020-08-16</a:t>
+              <a:t>2020-08-30</a:t>
             </a:fld>
             <a:endParaRPr lang="zh-CN" altLang="en-US"/>
           </a:p>
@@ -1271,7 +1271,7 @@
             <a:fld id="{530820CF-B880-4189-942D-D702A7CBA730}" type="datetimeFigureOut">
               <a:rPr lang="zh-CN" altLang="en-US" smtClean="0"/>
               <a:pPr/>
-              <a:t>2020-08-16</a:t>
+              <a:t>2020-08-30</a:t>
             </a:fld>
             <a:endParaRPr lang="zh-CN" altLang="en-US"/>
           </a:p>
@@ -1438,7 +1438,7 @@
             <a:fld id="{530820CF-B880-4189-942D-D702A7CBA730}" type="datetimeFigureOut">
               <a:rPr lang="zh-CN" altLang="en-US" smtClean="0"/>
               <a:pPr/>
-              <a:t>2020-08-16</a:t>
+              <a:t>2020-08-30</a:t>
             </a:fld>
             <a:endParaRPr lang="zh-CN" altLang="en-US"/>
           </a:p>
@@ -1681,7 +1681,7 @@
             <a:fld id="{530820CF-B880-4189-942D-D702A7CBA730}" type="datetimeFigureOut">
               <a:rPr lang="zh-CN" altLang="en-US" smtClean="0"/>
               <a:pPr/>
-              <a:t>2020-08-16</a:t>
+              <a:t>2020-08-30</a:t>
             </a:fld>
             <a:endParaRPr lang="zh-CN" altLang="en-US"/>
           </a:p>
@@ -1966,7 +1966,7 @@
             <a:fld id="{530820CF-B880-4189-942D-D702A7CBA730}" type="datetimeFigureOut">
               <a:rPr lang="zh-CN" altLang="en-US" smtClean="0"/>
               <a:pPr/>
-              <a:t>2020-08-16</a:t>
+              <a:t>2020-08-30</a:t>
             </a:fld>
             <a:endParaRPr lang="zh-CN" altLang="en-US"/>
           </a:p>
@@ -2385,7 +2385,7 @@
             <a:fld id="{530820CF-B880-4189-942D-D702A7CBA730}" type="datetimeFigureOut">
               <a:rPr lang="zh-CN" altLang="en-US" smtClean="0"/>
               <a:pPr/>
-              <a:t>2020-08-16</a:t>
+              <a:t>2020-08-30</a:t>
             </a:fld>
             <a:endParaRPr lang="zh-CN" altLang="en-US"/>
           </a:p>
@@ -2500,7 +2500,7 @@
             <a:fld id="{530820CF-B880-4189-942D-D702A7CBA730}" type="datetimeFigureOut">
               <a:rPr lang="zh-CN" altLang="en-US" smtClean="0"/>
               <a:pPr/>
-              <a:t>2020-08-16</a:t>
+              <a:t>2020-08-30</a:t>
             </a:fld>
             <a:endParaRPr lang="zh-CN" altLang="en-US"/>
           </a:p>
@@ -2592,7 +2592,7 @@
             <a:fld id="{530820CF-B880-4189-942D-D702A7CBA730}" type="datetimeFigureOut">
               <a:rPr lang="zh-CN" altLang="en-US" smtClean="0"/>
               <a:pPr/>
-              <a:t>2020-08-16</a:t>
+              <a:t>2020-08-30</a:t>
             </a:fld>
             <a:endParaRPr lang="zh-CN" altLang="en-US"/>
           </a:p>
@@ -2866,7 +2866,7 @@
             <a:fld id="{530820CF-B880-4189-942D-D702A7CBA730}" type="datetimeFigureOut">
               <a:rPr lang="zh-CN" altLang="en-US" smtClean="0"/>
               <a:pPr/>
-              <a:t>2020-08-16</a:t>
+              <a:t>2020-08-30</a:t>
             </a:fld>
             <a:endParaRPr lang="zh-CN" altLang="en-US"/>
           </a:p>
@@ -3116,7 +3116,7 @@
             <a:fld id="{530820CF-B880-4189-942D-D702A7CBA730}" type="datetimeFigureOut">
               <a:rPr lang="zh-CN" altLang="en-US" smtClean="0"/>
               <a:pPr/>
-              <a:t>2020-08-16</a:t>
+              <a:t>2020-08-30</a:t>
             </a:fld>
             <a:endParaRPr lang="zh-CN" altLang="en-US"/>
           </a:p>
@@ -3326,7 +3326,7 @@
             <a:fld id="{530820CF-B880-4189-942D-D702A7CBA730}" type="datetimeFigureOut">
               <a:rPr lang="zh-CN" altLang="en-US" smtClean="0"/>
               <a:pPr/>
-              <a:t>2020-08-16</a:t>
+              <a:t>2020-08-30</a:t>
             </a:fld>
             <a:endParaRPr lang="zh-CN" altLang="en-US"/>
           </a:p>
@@ -6805,7 +6805,7 @@
         <p:spPr>
           <a:xfrm>
             <a:off x="395536" y="1268760"/>
-            <a:ext cx="8352928" cy="5509200"/>
+            <a:ext cx="8352928" cy="5016758"/>
           </a:xfrm>
           <a:prstGeom prst="rect">
             <a:avLst/>
@@ -6894,32 +6894,6 @@
           <a:p>
             <a:r>
               <a:rPr lang="en-US" altLang="zh-CN" sz="3200" dirty="0" smtClean="0"/>
-              <a:t>	</a:t>
-            </a:r>
-            <a:r>
-              <a:rPr lang="zh-CN" altLang="en-US" sz="3200" dirty="0" smtClean="0"/>
-              <a:t>限制</a:t>
-            </a:r>
-            <a:r>
-              <a:rPr lang="en-US" altLang="zh-CN" sz="3200" dirty="0" smtClean="0"/>
-              <a:t>4</a:t>
-            </a:r>
-            <a:r>
-              <a:rPr lang="zh-CN" altLang="en-US" sz="3200" dirty="0" smtClean="0"/>
-              <a:t>：错误次数为</a:t>
-            </a:r>
-            <a:r>
-              <a:rPr lang="en-US" altLang="zh-CN" sz="3200" dirty="0" smtClean="0"/>
-              <a:t>4</a:t>
-            </a:r>
-            <a:r>
-              <a:rPr lang="zh-CN" altLang="en-US" sz="3200" dirty="0" smtClean="0"/>
-              <a:t>次</a:t>
-            </a:r>
-          </a:p>
-          <a:p>
-            <a:r>
-              <a:rPr lang="en-US" altLang="zh-CN" sz="3200" dirty="0" smtClean="0"/>
               <a:t>3</a:t>
             </a:r>
             <a:r>
@@ -7010,6 +6984,13 @@
   <p:clrMapOvr>
     <a:masterClrMapping/>
   </p:clrMapOvr>
+  <p:timing>
+    <p:tnLst>
+      <p:par>
+        <p:cTn id="1" dur="indefinite" restart="never" nodeType="tmRoot"/>
+      </p:par>
+    </p:tnLst>
+  </p:timing>
 </p:sld>
 </file>
 
@@ -7085,8 +7066,13 @@
             </a:r>
             <a:r>
               <a:rPr lang="zh-CN" altLang="en-US" sz="3200" dirty="0" smtClean="0"/>
-              <a:t>、输入：用户名，密码，密码确认</a:t>
-            </a:r>
+              <a:t>、输入：用户名</a:t>
+            </a:r>
+            <a:r>
+              <a:rPr lang="zh-CN" altLang="en-US" sz="3200" smtClean="0"/>
+              <a:t>，密码</a:t>
+            </a:r>
+            <a:endParaRPr lang="zh-CN" altLang="en-US" sz="3200" dirty="0" smtClean="0"/>
           </a:p>
           <a:p>
             <a:r>
@@ -7218,6 +7204,13 @@
   <p:clrMapOvr>
     <a:masterClrMapping/>
   </p:clrMapOvr>
+  <p:timing>
+    <p:tnLst>
+      <p:par>
+        <p:cTn id="1" dur="indefinite" restart="never" nodeType="tmRoot"/>
+      </p:par>
+    </p:tnLst>
+  </p:timing>
 </p:sld>
 </file>
 
@@ -7557,13 +7550,7 @@
               <a:rPr lang="en-US" altLang="zh-CN" sz="1400" dirty="0" smtClean="0">
                 <a:latin typeface="+mn-ea"/>
               </a:rPr>
-              <a:t>=utf8</a:t>
-            </a:r>
-            <a:r>
-              <a:rPr lang="en-US" altLang="zh-CN" sz="1400" dirty="0" smtClean="0">
-                <a:latin typeface="+mn-ea"/>
-              </a:rPr>
-              <a:t>;</a:t>
+              <a:t>=utf8;</a:t>
             </a:r>
             <a:endParaRPr lang="en-US" altLang="zh-CN" sz="3200" dirty="0">
               <a:latin typeface="+mn-ea"/>
@@ -7612,11 +7599,7 @@
           <a:p>
             <a:r>
               <a:rPr lang="en-US" altLang="zh-CN" sz="2400" dirty="0" smtClean="0"/>
-              <a:t>	</a:t>
-            </a:r>
-            <a:r>
-              <a:rPr lang="en-US" altLang="zh-CN" sz="2400" dirty="0" smtClean="0"/>
-              <a:t>2. </a:t>
+              <a:t>	2. </a:t>
             </a:r>
             <a:r>
               <a:rPr lang="zh-CN" altLang="en-US" sz="2400" dirty="0" smtClean="0"/>
@@ -7627,11 +7610,7 @@
           <a:p>
             <a:r>
               <a:rPr lang="en-US" altLang="zh-CN" sz="2400" dirty="0" smtClean="0"/>
-              <a:t>	</a:t>
-            </a:r>
-            <a:r>
-              <a:rPr lang="en-US" altLang="zh-CN" sz="2400" dirty="0" smtClean="0"/>
-              <a:t>3. </a:t>
+              <a:t>	3. </a:t>
             </a:r>
             <a:r>
               <a:rPr lang="zh-CN" altLang="en-US" sz="2400" dirty="0" smtClean="0"/>
@@ -7646,6 +7625,13 @@
   <p:clrMapOvr>
     <a:masterClrMapping/>
   </p:clrMapOvr>
+  <p:timing>
+    <p:tnLst>
+      <p:par>
+        <p:cTn id="1" dur="indefinite" restart="never" nodeType="tmRoot"/>
+      </p:par>
+    </p:tnLst>
+  </p:timing>
 </p:sld>
 </file>
 
@@ -7678,7 +7664,7 @@
         </p:nvSpPr>
         <p:spPr>
           <a:xfrm>
-            <a:off x="611560" y="476672"/>
+            <a:off x="611560" y="14759"/>
             <a:ext cx="7772400" cy="1470025"/>
           </a:xfrm>
         </p:spPr>
@@ -7691,6 +7677,274 @@
               <a:t>错误、调试和测试</a:t>
             </a:r>
             <a:endParaRPr lang="zh-CN" altLang="en-US" dirty="0"/>
+          </a:p>
+        </p:txBody>
+      </p:sp>
+      <p:sp>
+        <p:nvSpPr>
+          <p:cNvPr id="4" name="矩形 3"/>
+          <p:cNvSpPr/>
+          <p:nvPr/>
+        </p:nvSpPr>
+        <p:spPr>
+          <a:xfrm>
+            <a:off x="395536" y="2636912"/>
+            <a:ext cx="8496944" cy="954107"/>
+          </a:xfrm>
+          <a:prstGeom prst="rect">
+            <a:avLst/>
+          </a:prstGeom>
+        </p:spPr>
+        <p:txBody>
+          <a:bodyPr wrap="square">
+            <a:spAutoFit/>
+          </a:bodyPr>
+          <a:lstStyle/>
+          <a:p>
+            <a:r>
+              <a:rPr lang="zh-CN" altLang="en-US" sz="2400" dirty="0" smtClean="0">
+                <a:latin typeface="+mn-ea"/>
+              </a:rPr>
+              <a:t>错误</a:t>
+            </a:r>
+            <a:r>
+              <a:rPr lang="zh-CN" altLang="en-US" sz="2400" dirty="0" smtClean="0">
+                <a:latin typeface="+mn-ea"/>
+              </a:rPr>
+              <a:t>：</a:t>
+            </a:r>
+            <a:endParaRPr lang="en-US" altLang="zh-CN" sz="2400" dirty="0" smtClean="0">
+              <a:latin typeface="+mn-ea"/>
+            </a:endParaRPr>
+          </a:p>
+          <a:p>
+            <a:endParaRPr lang="en-US" altLang="zh-CN" sz="3200" dirty="0">
+              <a:latin typeface="+mn-ea"/>
+            </a:endParaRPr>
+          </a:p>
+        </p:txBody>
+      </p:sp>
+      <p:pic>
+        <p:nvPicPr>
+          <p:cNvPr id="1026" name="Picture 2"/>
+          <p:cNvPicPr>
+            <a:picLocks noChangeAspect="1" noChangeArrowheads="1"/>
+          </p:cNvPicPr>
+          <p:nvPr/>
+        </p:nvPicPr>
+        <p:blipFill>
+          <a:blip r:embed="rId2" cstate="print"/>
+          <a:srcRect/>
+          <a:stretch>
+            <a:fillRect/>
+          </a:stretch>
+        </p:blipFill>
+        <p:spPr bwMode="auto">
+          <a:xfrm>
+            <a:off x="755576" y="3099783"/>
+            <a:ext cx="7200800" cy="2056612"/>
+          </a:xfrm>
+          <a:prstGeom prst="rect">
+            <a:avLst/>
+          </a:prstGeom>
+          <a:noFill/>
+          <a:ln w="9525">
+            <a:noFill/>
+            <a:miter lim="800000"/>
+            <a:headEnd/>
+            <a:tailEnd/>
+          </a:ln>
+        </p:spPr>
+      </p:pic>
+      <p:sp>
+        <p:nvSpPr>
+          <p:cNvPr id="6" name="矩形 5"/>
+          <p:cNvSpPr/>
+          <p:nvPr/>
+        </p:nvSpPr>
+        <p:spPr>
+          <a:xfrm>
+            <a:off x="467544" y="5157192"/>
+            <a:ext cx="8496944" cy="2062103"/>
+          </a:xfrm>
+          <a:prstGeom prst="rect">
+            <a:avLst/>
+          </a:prstGeom>
+        </p:spPr>
+        <p:txBody>
+          <a:bodyPr wrap="square">
+            <a:spAutoFit/>
+          </a:bodyPr>
+          <a:lstStyle/>
+          <a:p>
+            <a:r>
+              <a:rPr lang="zh-CN" altLang="en-US" sz="2400" dirty="0" smtClean="0">
+                <a:latin typeface="+mn-ea"/>
+              </a:rPr>
+              <a:t>调试：</a:t>
+            </a:r>
+            <a:endParaRPr lang="en-US" altLang="zh-CN" sz="2400" dirty="0" smtClean="0">
+              <a:latin typeface="+mn-ea"/>
+            </a:endParaRPr>
+          </a:p>
+          <a:p>
+            <a:r>
+              <a:rPr lang="en-US" altLang="zh-CN" sz="2400" dirty="0" smtClean="0">
+                <a:latin typeface="+mn-ea"/>
+              </a:rPr>
+              <a:t>	1.</a:t>
+            </a:r>
+            <a:r>
+              <a:rPr lang="zh-CN" altLang="en-US" sz="2400" dirty="0" smtClean="0">
+                <a:latin typeface="+mn-ea"/>
+              </a:rPr>
+              <a:t>看现象</a:t>
+            </a:r>
+            <a:endParaRPr lang="en-US" altLang="zh-CN" sz="2400" dirty="0" smtClean="0">
+              <a:latin typeface="+mn-ea"/>
+            </a:endParaRPr>
+          </a:p>
+          <a:p>
+            <a:r>
+              <a:rPr lang="en-US" altLang="zh-CN" sz="2400" dirty="0" smtClean="0">
+                <a:latin typeface="+mn-ea"/>
+              </a:rPr>
+              <a:t>	</a:t>
+            </a:r>
+            <a:r>
+              <a:rPr lang="en-US" altLang="zh-CN" sz="2400" dirty="0" smtClean="0">
+                <a:latin typeface="+mn-ea"/>
+              </a:rPr>
+              <a:t>2.</a:t>
+            </a:r>
+            <a:r>
+              <a:rPr lang="zh-CN" altLang="en-US" sz="2400" dirty="0" smtClean="0">
+                <a:latin typeface="+mn-ea"/>
+              </a:rPr>
+              <a:t>下</a:t>
+            </a:r>
+            <a:r>
+              <a:rPr lang="zh-CN" altLang="en-US" sz="2400" dirty="0" smtClean="0">
+                <a:latin typeface="+mn-ea"/>
+              </a:rPr>
+              <a:t>断点</a:t>
+            </a:r>
+            <a:endParaRPr lang="en-US" altLang="zh-CN" sz="2400" dirty="0" smtClean="0">
+              <a:latin typeface="+mn-ea"/>
+            </a:endParaRPr>
+          </a:p>
+          <a:p>
+            <a:r>
+              <a:rPr lang="en-US" altLang="zh-CN" sz="2400" dirty="0" smtClean="0">
+                <a:latin typeface="+mn-ea"/>
+              </a:rPr>
+              <a:t>	3</a:t>
+            </a:r>
+            <a:r>
+              <a:rPr lang="en-US" altLang="zh-CN" sz="2400" dirty="0" smtClean="0">
+                <a:latin typeface="+mn-ea"/>
+              </a:rPr>
+              <a:t>.</a:t>
+            </a:r>
+            <a:r>
+              <a:rPr lang="zh-CN" altLang="en-US" sz="2400" dirty="0" smtClean="0">
+                <a:latin typeface="+mn-ea"/>
+              </a:rPr>
+              <a:t>查日志</a:t>
+            </a:r>
+            <a:endParaRPr lang="en-US" altLang="zh-CN" sz="2400" dirty="0" smtClean="0">
+              <a:latin typeface="+mn-ea"/>
+            </a:endParaRPr>
+          </a:p>
+          <a:p>
+            <a:endParaRPr lang="en-US" altLang="zh-CN" sz="3200" dirty="0">
+              <a:latin typeface="+mn-ea"/>
+            </a:endParaRPr>
+          </a:p>
+        </p:txBody>
+      </p:sp>
+      <p:sp>
+        <p:nvSpPr>
+          <p:cNvPr id="7" name="矩形 6"/>
+          <p:cNvSpPr/>
+          <p:nvPr/>
+        </p:nvSpPr>
+        <p:spPr>
+          <a:xfrm>
+            <a:off x="539552" y="1220559"/>
+            <a:ext cx="8496944" cy="1200329"/>
+          </a:xfrm>
+          <a:prstGeom prst="rect">
+            <a:avLst/>
+          </a:prstGeom>
+        </p:spPr>
+        <p:txBody>
+          <a:bodyPr wrap="square">
+            <a:spAutoFit/>
+          </a:bodyPr>
+          <a:lstStyle/>
+          <a:p>
+            <a:r>
+              <a:rPr lang="zh-CN" altLang="en-US" sz="2400" dirty="0" smtClean="0">
+                <a:latin typeface="+mn-ea"/>
+              </a:rPr>
+              <a:t>测试</a:t>
+            </a:r>
+            <a:r>
+              <a:rPr lang="zh-CN" altLang="en-US" sz="2400" dirty="0" smtClean="0">
+                <a:latin typeface="+mn-ea"/>
+              </a:rPr>
+              <a:t>：</a:t>
+            </a:r>
+            <a:endParaRPr lang="en-US" altLang="zh-CN" sz="2400" dirty="0" smtClean="0">
+              <a:latin typeface="+mn-ea"/>
+            </a:endParaRPr>
+          </a:p>
+          <a:p>
+            <a:r>
+              <a:rPr lang="en-US" altLang="zh-CN" sz="2400" dirty="0" smtClean="0">
+                <a:latin typeface="+mn-ea"/>
+              </a:rPr>
+              <a:t>	</a:t>
+            </a:r>
+            <a:r>
+              <a:rPr lang="en-US" altLang="zh-CN" sz="2400" dirty="0" smtClean="0">
+                <a:latin typeface="+mn-ea"/>
+              </a:rPr>
+              <a:t>1.</a:t>
+            </a:r>
+            <a:r>
+              <a:rPr lang="zh-CN" altLang="en-US" sz="2400" dirty="0" smtClean="0">
+                <a:latin typeface="+mn-ea"/>
+              </a:rPr>
+              <a:t>手动测试</a:t>
+            </a:r>
+            <a:endParaRPr lang="en-US" altLang="zh-CN" sz="2400" dirty="0" smtClean="0">
+              <a:latin typeface="+mn-ea"/>
+            </a:endParaRPr>
+          </a:p>
+          <a:p>
+            <a:r>
+              <a:rPr lang="en-US" altLang="zh-CN" sz="2400" dirty="0" smtClean="0">
+                <a:latin typeface="+mn-ea"/>
+              </a:rPr>
+              <a:t>	</a:t>
+            </a:r>
+            <a:r>
+              <a:rPr lang="en-US" altLang="zh-CN" sz="2400" dirty="0" smtClean="0">
+                <a:latin typeface="+mn-ea"/>
+              </a:rPr>
+              <a:t>2.</a:t>
+            </a:r>
+            <a:r>
+              <a:rPr lang="zh-CN" altLang="en-US" sz="2400" dirty="0" smtClean="0">
+                <a:latin typeface="+mn-ea"/>
+              </a:rPr>
+              <a:t>自动测试</a:t>
+            </a:r>
+            <a:endParaRPr lang="en-US" altLang="zh-CN" sz="3200" dirty="0">
+              <a:latin typeface="+mn-ea"/>
+            </a:endParaRPr>
           </a:p>
         </p:txBody>
       </p:sp>
